--- a/Lesson 1/Lesson 1.pptx
+++ b/Lesson 1/Lesson 1.pptx
@@ -13,6 +13,10 @@
     <p:sldId id="294" r:id="rId7"/>
     <p:sldId id="295" r:id="rId8"/>
     <p:sldId id="297" r:id="rId9"/>
+    <p:sldId id="298" r:id="rId10"/>
+    <p:sldId id="299" r:id="rId11"/>
+    <p:sldId id="300" r:id="rId12"/>
+    <p:sldId id="301" r:id="rId13"/>
   </p:sldIdLst>
   <p:sldSz cx="12192000" cy="6858000"/>
   <p:notesSz cx="6858000" cy="9144000"/>
@@ -266,7 +270,7 @@
           <a:p>
             <a:fld id="{76586147-1295-4C85-B48B-BFD57414E2B2}" type="datetimeFigureOut">
               <a:rPr lang="en-US" smtClean="0"/>
-              <a:t>1/21/2019</a:t>
+              <a:t>2/5/2019</a:t>
             </a:fld>
             <a:endParaRPr lang="en-US"/>
           </a:p>
@@ -672,7 +676,7 @@
           <a:p>
             <a:fld id="{76586147-1295-4C85-B48B-BFD57414E2B2}" type="datetimeFigureOut">
               <a:rPr lang="en-US" smtClean="0"/>
-              <a:t>1/21/2019</a:t>
+              <a:t>2/5/2019</a:t>
             </a:fld>
             <a:endParaRPr lang="en-US"/>
           </a:p>
@@ -1090,7 +1094,7 @@
           <a:p>
             <a:fld id="{76586147-1295-4C85-B48B-BFD57414E2B2}" type="datetimeFigureOut">
               <a:rPr lang="en-US" smtClean="0"/>
-              <a:t>1/21/2019</a:t>
+              <a:t>2/5/2019</a:t>
             </a:fld>
             <a:endParaRPr lang="en-US"/>
           </a:p>
@@ -1498,7 +1502,7 @@
           <a:p>
             <a:fld id="{76586147-1295-4C85-B48B-BFD57414E2B2}" type="datetimeFigureOut">
               <a:rPr lang="en-US" smtClean="0"/>
-              <a:t>1/21/2019</a:t>
+              <a:t>2/5/2019</a:t>
             </a:fld>
             <a:endParaRPr lang="en-US"/>
           </a:p>
@@ -1981,7 +1985,7 @@
           <a:p>
             <a:fld id="{76586147-1295-4C85-B48B-BFD57414E2B2}" type="datetimeFigureOut">
               <a:rPr lang="en-US" smtClean="0"/>
-              <a:t>1/21/2019</a:t>
+              <a:t>2/5/2019</a:t>
             </a:fld>
             <a:endParaRPr lang="en-US"/>
           </a:p>
@@ -2454,7 +2458,7 @@
           <a:p>
             <a:fld id="{76586147-1295-4C85-B48B-BFD57414E2B2}" type="datetimeFigureOut">
               <a:rPr lang="en-US" smtClean="0"/>
-              <a:t>1/21/2019</a:t>
+              <a:t>2/5/2019</a:t>
             </a:fld>
             <a:endParaRPr lang="en-US"/>
           </a:p>
@@ -3074,7 +3078,7 @@
           <a:p>
             <a:fld id="{76586147-1295-4C85-B48B-BFD57414E2B2}" type="datetimeFigureOut">
               <a:rPr lang="en-US" smtClean="0"/>
-              <a:t>1/21/2019</a:t>
+              <a:t>2/5/2019</a:t>
             </a:fld>
             <a:endParaRPr lang="en-US"/>
           </a:p>
@@ -3429,7 +3433,7 @@
           <a:p>
             <a:fld id="{76586147-1295-4C85-B48B-BFD57414E2B2}" type="datetimeFigureOut">
               <a:rPr lang="en-US" smtClean="0"/>
-              <a:t>1/21/2019</a:t>
+              <a:t>2/5/2019</a:t>
             </a:fld>
             <a:endParaRPr lang="en-US"/>
           </a:p>
@@ -3750,7 +3754,7 @@
           <a:p>
             <a:fld id="{76586147-1295-4C85-B48B-BFD57414E2B2}" type="datetimeFigureOut">
               <a:rPr lang="en-US" smtClean="0"/>
-              <a:t>1/21/2019</a:t>
+              <a:t>2/5/2019</a:t>
             </a:fld>
             <a:endParaRPr lang="en-US"/>
           </a:p>
@@ -4269,7 +4273,7 @@
           <a:p>
             <a:fld id="{76586147-1295-4C85-B48B-BFD57414E2B2}" type="datetimeFigureOut">
               <a:rPr lang="en-US" smtClean="0"/>
-              <a:t>1/21/2019</a:t>
+              <a:t>2/5/2019</a:t>
             </a:fld>
             <a:endParaRPr lang="en-US"/>
           </a:p>
@@ -4768,7 +4772,7 @@
           <a:p>
             <a:fld id="{76586147-1295-4C85-B48B-BFD57414E2B2}" type="datetimeFigureOut">
               <a:rPr lang="en-US" smtClean="0"/>
-              <a:t>1/21/2019</a:t>
+              <a:t>2/5/2019</a:t>
             </a:fld>
             <a:endParaRPr lang="en-US"/>
           </a:p>
@@ -5243,7 +5247,7 @@
           <a:p>
             <a:fld id="{76586147-1295-4C85-B48B-BFD57414E2B2}" type="datetimeFigureOut">
               <a:rPr lang="en-US" smtClean="0"/>
-              <a:t>1/21/2019</a:t>
+              <a:t>2/5/2019</a:t>
             </a:fld>
             <a:endParaRPr lang="en-US"/>
           </a:p>
@@ -5717,6 +5721,1694 @@
     <p:extLst>
       <p:ext uri="{BB962C8B-B14F-4D97-AF65-F5344CB8AC3E}">
         <p14:creationId xmlns:p14="http://schemas.microsoft.com/office/powerpoint/2010/main" val="4278555296"/>
+      </p:ext>
+    </p:extLst>
+  </p:cSld>
+  <p:clrMapOvr>
+    <a:masterClrMapping/>
+  </p:clrMapOvr>
+</p:sld>
+</file>
+
+<file path=ppt/slides/slide10.xml><?xml version="1.0" encoding="utf-8"?>
+<p:sld xmlns:a="http://schemas.openxmlformats.org/drawingml/2006/main" xmlns:r="http://schemas.openxmlformats.org/officeDocument/2006/relationships" xmlns:p="http://schemas.openxmlformats.org/presentationml/2006/main">
+  <p:cSld>
+    <p:spTree>
+      <p:nvGrpSpPr>
+        <p:cNvPr id="1" name=""/>
+        <p:cNvGrpSpPr/>
+        <p:nvPr/>
+      </p:nvGrpSpPr>
+      <p:grpSpPr>
+        <a:xfrm>
+          <a:off x="0" y="0"/>
+          <a:ext cx="0" cy="0"/>
+          <a:chOff x="0" y="0"/>
+          <a:chExt cx="0" cy="0"/>
+        </a:xfrm>
+      </p:grpSpPr>
+      <p:sp>
+        <p:nvSpPr>
+          <p:cNvPr id="2" name="Title 1">
+            <a:extLst>
+              <a:ext uri="{FF2B5EF4-FFF2-40B4-BE49-F238E27FC236}">
+                <a16:creationId xmlns:a16="http://schemas.microsoft.com/office/drawing/2014/main" id="{8F3C2353-D7C4-4040-916A-0527F43EAEE9}"/>
+              </a:ext>
+            </a:extLst>
+          </p:cNvPr>
+          <p:cNvSpPr>
+            <a:spLocks noGrp="1"/>
+          </p:cNvSpPr>
+          <p:nvPr>
+            <p:ph type="title"/>
+          </p:nvPr>
+        </p:nvSpPr>
+        <p:spPr/>
+        <p:txBody>
+          <a:bodyPr/>
+          <a:lstStyle/>
+          <a:p>
+            <a:r>
+              <a:rPr lang="en-US" dirty="0"/>
+              <a:t>Operators</a:t>
+            </a:r>
+          </a:p>
+        </p:txBody>
+      </p:sp>
+      <p:sp>
+        <p:nvSpPr>
+          <p:cNvPr id="8" name="Content Placeholder 2">
+            <a:extLst>
+              <a:ext uri="{FF2B5EF4-FFF2-40B4-BE49-F238E27FC236}">
+                <a16:creationId xmlns:a16="http://schemas.microsoft.com/office/drawing/2014/main" id="{2CC98C95-EF5B-5647-93AC-77122809140D}"/>
+              </a:ext>
+            </a:extLst>
+          </p:cNvPr>
+          <p:cNvSpPr>
+            <a:spLocks noGrp="1"/>
+          </p:cNvSpPr>
+          <p:nvPr>
+            <p:ph idx="1"/>
+          </p:nvPr>
+        </p:nvSpPr>
+        <p:spPr>
+          <a:xfrm>
+            <a:off x="838200" y="1830068"/>
+            <a:ext cx="10515600" cy="510980"/>
+          </a:xfrm>
+        </p:spPr>
+        <p:txBody>
+          <a:bodyPr>
+            <a:normAutofit lnSpcReduction="10000"/>
+          </a:bodyPr>
+          <a:lstStyle/>
+          <a:p>
+            <a:pPr marL="0" indent="0">
+              <a:buNone/>
+            </a:pPr>
+            <a:r>
+              <a:rPr lang="en-US" sz="3200" dirty="0"/>
+              <a:t>Operators only work on same types:</a:t>
+            </a:r>
+          </a:p>
+        </p:txBody>
+      </p:sp>
+      <p:sp>
+        <p:nvSpPr>
+          <p:cNvPr id="9" name="Content Placeholder 2">
+            <a:extLst>
+              <a:ext uri="{FF2B5EF4-FFF2-40B4-BE49-F238E27FC236}">
+                <a16:creationId xmlns:a16="http://schemas.microsoft.com/office/drawing/2014/main" id="{1C1B0CE5-0394-B648-A4DE-D2ED92908194}"/>
+              </a:ext>
+            </a:extLst>
+          </p:cNvPr>
+          <p:cNvSpPr txBox="1">
+            <a:spLocks/>
+          </p:cNvSpPr>
+          <p:nvPr/>
+        </p:nvSpPr>
+        <p:spPr>
+          <a:xfrm>
+            <a:off x="838200" y="4517837"/>
+            <a:ext cx="10515600" cy="510980"/>
+          </a:xfrm>
+          <a:prstGeom prst="rect">
+            <a:avLst/>
+          </a:prstGeom>
+        </p:spPr>
+        <p:txBody>
+          <a:bodyPr vert="horz" lIns="91440" tIns="45720" rIns="91440" bIns="45720" rtlCol="0">
+            <a:normAutofit lnSpcReduction="10000"/>
+          </a:bodyPr>
+          <a:lstStyle>
+            <a:lvl1pPr marL="228600" indent="-228600" algn="l" defTabSz="914400" rtl="0" eaLnBrk="1" latinLnBrk="0" hangingPunct="1">
+              <a:lnSpc>
+                <a:spcPct val="90000"/>
+              </a:lnSpc>
+              <a:spcBef>
+                <a:spcPts val="1000"/>
+              </a:spcBef>
+              <a:buFont typeface="Arial" panose="020B0604020202020204" pitchFamily="34" charset="0"/>
+              <a:buChar char="•"/>
+              <a:defRPr sz="2800" kern="1200">
+                <a:solidFill>
+                  <a:schemeClr val="tx1"/>
+                </a:solidFill>
+                <a:latin typeface="+mn-lt"/>
+                <a:ea typeface="+mn-ea"/>
+                <a:cs typeface="+mn-cs"/>
+              </a:defRPr>
+            </a:lvl1pPr>
+            <a:lvl2pPr marL="685800" indent="-228600" algn="l" defTabSz="914400" rtl="0" eaLnBrk="1" latinLnBrk="0" hangingPunct="1">
+              <a:lnSpc>
+                <a:spcPct val="90000"/>
+              </a:lnSpc>
+              <a:spcBef>
+                <a:spcPts val="500"/>
+              </a:spcBef>
+              <a:buFont typeface="Arial" panose="020B0604020202020204" pitchFamily="34" charset="0"/>
+              <a:buChar char="•"/>
+              <a:defRPr sz="2400" kern="1200">
+                <a:solidFill>
+                  <a:schemeClr val="tx1"/>
+                </a:solidFill>
+                <a:latin typeface="+mn-lt"/>
+                <a:ea typeface="+mn-ea"/>
+                <a:cs typeface="+mn-cs"/>
+              </a:defRPr>
+            </a:lvl2pPr>
+            <a:lvl3pPr marL="1143000" indent="-228600" algn="l" defTabSz="914400" rtl="0" eaLnBrk="1" latinLnBrk="0" hangingPunct="1">
+              <a:lnSpc>
+                <a:spcPct val="90000"/>
+              </a:lnSpc>
+              <a:spcBef>
+                <a:spcPts val="500"/>
+              </a:spcBef>
+              <a:buFont typeface="Arial" panose="020B0604020202020204" pitchFamily="34" charset="0"/>
+              <a:buChar char="•"/>
+              <a:defRPr sz="2000" kern="1200">
+                <a:solidFill>
+                  <a:schemeClr val="tx1"/>
+                </a:solidFill>
+                <a:latin typeface="+mn-lt"/>
+                <a:ea typeface="+mn-ea"/>
+                <a:cs typeface="+mn-cs"/>
+              </a:defRPr>
+            </a:lvl3pPr>
+            <a:lvl4pPr marL="1600200" indent="-228600" algn="l" defTabSz="914400" rtl="0" eaLnBrk="1" latinLnBrk="0" hangingPunct="1">
+              <a:lnSpc>
+                <a:spcPct val="90000"/>
+              </a:lnSpc>
+              <a:spcBef>
+                <a:spcPts val="500"/>
+              </a:spcBef>
+              <a:buFont typeface="Arial" panose="020B0604020202020204" pitchFamily="34" charset="0"/>
+              <a:buChar char="•"/>
+              <a:defRPr sz="1800" kern="1200">
+                <a:solidFill>
+                  <a:schemeClr val="tx1"/>
+                </a:solidFill>
+                <a:latin typeface="+mn-lt"/>
+                <a:ea typeface="+mn-ea"/>
+                <a:cs typeface="+mn-cs"/>
+              </a:defRPr>
+            </a:lvl4pPr>
+            <a:lvl5pPr marL="2057400" indent="-228600" algn="l" defTabSz="914400" rtl="0" eaLnBrk="1" latinLnBrk="0" hangingPunct="1">
+              <a:lnSpc>
+                <a:spcPct val="90000"/>
+              </a:lnSpc>
+              <a:spcBef>
+                <a:spcPts val="500"/>
+              </a:spcBef>
+              <a:buFont typeface="Arial" panose="020B0604020202020204" pitchFamily="34" charset="0"/>
+              <a:buChar char="•"/>
+              <a:defRPr sz="1800" kern="1200">
+                <a:solidFill>
+                  <a:schemeClr val="tx1"/>
+                </a:solidFill>
+                <a:latin typeface="+mn-lt"/>
+                <a:ea typeface="+mn-ea"/>
+                <a:cs typeface="+mn-cs"/>
+              </a:defRPr>
+            </a:lvl5pPr>
+            <a:lvl6pPr marL="2514600" indent="-228600" algn="l" defTabSz="914400" rtl="0" eaLnBrk="1" latinLnBrk="0" hangingPunct="1">
+              <a:lnSpc>
+                <a:spcPct val="90000"/>
+              </a:lnSpc>
+              <a:spcBef>
+                <a:spcPts val="500"/>
+              </a:spcBef>
+              <a:buFont typeface="Arial" panose="020B0604020202020204" pitchFamily="34" charset="0"/>
+              <a:buChar char="•"/>
+              <a:defRPr sz="1800" kern="1200">
+                <a:solidFill>
+                  <a:schemeClr val="tx1"/>
+                </a:solidFill>
+                <a:latin typeface="+mn-lt"/>
+                <a:ea typeface="+mn-ea"/>
+                <a:cs typeface="+mn-cs"/>
+              </a:defRPr>
+            </a:lvl6pPr>
+            <a:lvl7pPr marL="2971800" indent="-228600" algn="l" defTabSz="914400" rtl="0" eaLnBrk="1" latinLnBrk="0" hangingPunct="1">
+              <a:lnSpc>
+                <a:spcPct val="90000"/>
+              </a:lnSpc>
+              <a:spcBef>
+                <a:spcPts val="500"/>
+              </a:spcBef>
+              <a:buFont typeface="Arial" panose="020B0604020202020204" pitchFamily="34" charset="0"/>
+              <a:buChar char="•"/>
+              <a:defRPr sz="1800" kern="1200">
+                <a:solidFill>
+                  <a:schemeClr val="tx1"/>
+                </a:solidFill>
+                <a:latin typeface="+mn-lt"/>
+                <a:ea typeface="+mn-ea"/>
+                <a:cs typeface="+mn-cs"/>
+              </a:defRPr>
+            </a:lvl7pPr>
+            <a:lvl8pPr marL="3429000" indent="-228600" algn="l" defTabSz="914400" rtl="0" eaLnBrk="1" latinLnBrk="0" hangingPunct="1">
+              <a:lnSpc>
+                <a:spcPct val="90000"/>
+              </a:lnSpc>
+              <a:spcBef>
+                <a:spcPts val="500"/>
+              </a:spcBef>
+              <a:buFont typeface="Arial" panose="020B0604020202020204" pitchFamily="34" charset="0"/>
+              <a:buChar char="•"/>
+              <a:defRPr sz="1800" kern="1200">
+                <a:solidFill>
+                  <a:schemeClr val="tx1"/>
+                </a:solidFill>
+                <a:latin typeface="+mn-lt"/>
+                <a:ea typeface="+mn-ea"/>
+                <a:cs typeface="+mn-cs"/>
+              </a:defRPr>
+            </a:lvl8pPr>
+            <a:lvl9pPr marL="3886200" indent="-228600" algn="l" defTabSz="914400" rtl="0" eaLnBrk="1" latinLnBrk="0" hangingPunct="1">
+              <a:lnSpc>
+                <a:spcPct val="90000"/>
+              </a:lnSpc>
+              <a:spcBef>
+                <a:spcPts val="500"/>
+              </a:spcBef>
+              <a:buFont typeface="Arial" panose="020B0604020202020204" pitchFamily="34" charset="0"/>
+              <a:buChar char="•"/>
+              <a:defRPr sz="1800" kern="1200">
+                <a:solidFill>
+                  <a:schemeClr val="tx1"/>
+                </a:solidFill>
+                <a:latin typeface="+mn-lt"/>
+                <a:ea typeface="+mn-ea"/>
+                <a:cs typeface="+mn-cs"/>
+              </a:defRPr>
+            </a:lvl9pPr>
+          </a:lstStyle>
+          <a:p>
+            <a:pPr marL="0" indent="0">
+              <a:buFont typeface="Arial" panose="020B0604020202020204" pitchFamily="34" charset="0"/>
+              <a:buNone/>
+            </a:pPr>
+            <a:r>
+              <a:rPr lang="en-US" sz="3200" dirty="0"/>
+              <a:t>Error:</a:t>
+            </a:r>
+          </a:p>
+        </p:txBody>
+      </p:sp>
+      <p:sp>
+        <p:nvSpPr>
+          <p:cNvPr id="11" name="Rectangle 10">
+            <a:extLst>
+              <a:ext uri="{FF2B5EF4-FFF2-40B4-BE49-F238E27FC236}">
+                <a16:creationId xmlns:a16="http://schemas.microsoft.com/office/drawing/2014/main" id="{4B9D76A6-B805-3D4A-A2C0-449A63350EE4}"/>
+              </a:ext>
+            </a:extLst>
+          </p:cNvPr>
+          <p:cNvSpPr/>
+          <p:nvPr/>
+        </p:nvSpPr>
+        <p:spPr>
+          <a:xfrm>
+            <a:off x="838200" y="2341048"/>
+            <a:ext cx="10515600" cy="1815882"/>
+          </a:xfrm>
+          <a:prstGeom prst="rect">
+            <a:avLst/>
+          </a:prstGeom>
+          <a:solidFill>
+            <a:schemeClr val="bg2">
+              <a:lumMod val="25000"/>
+            </a:schemeClr>
+          </a:solidFill>
+        </p:spPr>
+        <p:txBody>
+          <a:bodyPr wrap="square">
+            <a:spAutoFit/>
+          </a:bodyPr>
+          <a:lstStyle/>
+          <a:p>
+            <a:r>
+              <a:rPr lang="en-US" sz="1600" dirty="0">
+                <a:solidFill>
+                  <a:srgbClr val="D4D4D4"/>
+                </a:solidFill>
+                <a:latin typeface="Consolas" panose="020B0609020204030204" pitchFamily="49" charset="0"/>
+              </a:rPr>
+              <a:t>length = </a:t>
+            </a:r>
+            <a:r>
+              <a:rPr lang="en-US" sz="1600" dirty="0">
+                <a:solidFill>
+                  <a:srgbClr val="B5CEA8"/>
+                </a:solidFill>
+                <a:latin typeface="Consolas" panose="020B0609020204030204" pitchFamily="49" charset="0"/>
+              </a:rPr>
+              <a:t>20</a:t>
+            </a:r>
+            <a:endParaRPr lang="en-US" sz="1600" dirty="0">
+              <a:solidFill>
+                <a:srgbClr val="D4D4D4"/>
+              </a:solidFill>
+              <a:latin typeface="Consolas" panose="020B0609020204030204" pitchFamily="49" charset="0"/>
+            </a:endParaRPr>
+          </a:p>
+          <a:p>
+            <a:r>
+              <a:rPr lang="en-US" sz="1600" dirty="0">
+                <a:solidFill>
+                  <a:srgbClr val="D4D4D4"/>
+                </a:solidFill>
+                <a:latin typeface="Consolas" panose="020B0609020204030204" pitchFamily="49" charset="0"/>
+              </a:rPr>
+              <a:t>width = </a:t>
+            </a:r>
+            <a:r>
+              <a:rPr lang="en-US" sz="1600" dirty="0">
+                <a:solidFill>
+                  <a:srgbClr val="B5CEA8"/>
+                </a:solidFill>
+                <a:latin typeface="Consolas" panose="020B0609020204030204" pitchFamily="49" charset="0"/>
+              </a:rPr>
+              <a:t>40</a:t>
+            </a:r>
+            <a:endParaRPr lang="en-US" sz="1600" dirty="0">
+              <a:solidFill>
+                <a:srgbClr val="D4D4D4"/>
+              </a:solidFill>
+              <a:latin typeface="Consolas" panose="020B0609020204030204" pitchFamily="49" charset="0"/>
+            </a:endParaRPr>
+          </a:p>
+          <a:p>
+            <a:r>
+              <a:rPr lang="en-US" sz="1600" dirty="0">
+                <a:solidFill>
+                  <a:srgbClr val="D4D4D4"/>
+                </a:solidFill>
+                <a:latin typeface="Consolas" panose="020B0609020204030204" pitchFamily="49" charset="0"/>
+              </a:rPr>
+              <a:t>area = length * width</a:t>
+            </a:r>
+          </a:p>
+          <a:p>
+            <a:br>
+              <a:rPr lang="en-US" sz="1600" dirty="0">
+                <a:solidFill>
+                  <a:srgbClr val="D4D4D4"/>
+                </a:solidFill>
+                <a:latin typeface="Consolas" panose="020B0609020204030204" pitchFamily="49" charset="0"/>
+              </a:rPr>
+            </a:br>
+            <a:r>
+              <a:rPr lang="en-US" sz="1600" dirty="0" err="1">
+                <a:solidFill>
+                  <a:srgbClr val="D4D4D4"/>
+                </a:solidFill>
+                <a:latin typeface="Consolas" panose="020B0609020204030204" pitchFamily="49" charset="0"/>
+              </a:rPr>
+              <a:t>first_name</a:t>
+            </a:r>
+            <a:r>
+              <a:rPr lang="en-US" sz="1600" dirty="0">
+                <a:solidFill>
+                  <a:srgbClr val="D4D4D4"/>
+                </a:solidFill>
+                <a:latin typeface="Consolas" panose="020B0609020204030204" pitchFamily="49" charset="0"/>
+              </a:rPr>
+              <a:t> = </a:t>
+            </a:r>
+            <a:r>
+              <a:rPr lang="en-US" sz="1600" dirty="0">
+                <a:solidFill>
+                  <a:srgbClr val="CE9178"/>
+                </a:solidFill>
+                <a:latin typeface="Consolas" panose="020B0609020204030204" pitchFamily="49" charset="0"/>
+              </a:rPr>
+              <a:t>"Lindsay"</a:t>
+            </a:r>
+            <a:endParaRPr lang="en-US" sz="1600" dirty="0">
+              <a:solidFill>
+                <a:srgbClr val="D4D4D4"/>
+              </a:solidFill>
+              <a:latin typeface="Consolas" panose="020B0609020204030204" pitchFamily="49" charset="0"/>
+            </a:endParaRPr>
+          </a:p>
+          <a:p>
+            <a:r>
+              <a:rPr lang="en-US" sz="1600" dirty="0">
+                <a:solidFill>
+                  <a:srgbClr val="D4D4D4"/>
+                </a:solidFill>
+                <a:latin typeface="Consolas" panose="020B0609020204030204" pitchFamily="49" charset="0"/>
+              </a:rPr>
+              <a:t>welcome = </a:t>
+            </a:r>
+            <a:r>
+              <a:rPr lang="en-US" sz="1600" dirty="0">
+                <a:solidFill>
+                  <a:srgbClr val="CE9178"/>
+                </a:solidFill>
+                <a:latin typeface="Consolas" panose="020B0609020204030204" pitchFamily="49" charset="0"/>
+              </a:rPr>
+              <a:t>"Hello, "</a:t>
+            </a:r>
+            <a:r>
+              <a:rPr lang="en-US" sz="1600" dirty="0">
+                <a:solidFill>
+                  <a:srgbClr val="D4D4D4"/>
+                </a:solidFill>
+                <a:latin typeface="Consolas" panose="020B0609020204030204" pitchFamily="49" charset="0"/>
+              </a:rPr>
+              <a:t> + </a:t>
+            </a:r>
+            <a:r>
+              <a:rPr lang="en-US" sz="1600" dirty="0" err="1">
+                <a:solidFill>
+                  <a:srgbClr val="D4D4D4"/>
+                </a:solidFill>
+                <a:latin typeface="Consolas" panose="020B0609020204030204" pitchFamily="49" charset="0"/>
+              </a:rPr>
+              <a:t>first_name</a:t>
+            </a:r>
+            <a:r>
+              <a:rPr lang="en-US" sz="1600" dirty="0">
+                <a:solidFill>
+                  <a:srgbClr val="D4D4D4"/>
+                </a:solidFill>
+                <a:latin typeface="Consolas" panose="020B0609020204030204" pitchFamily="49" charset="0"/>
+              </a:rPr>
+              <a:t> + </a:t>
+            </a:r>
+            <a:r>
+              <a:rPr lang="en-US" sz="1600" dirty="0">
+                <a:solidFill>
+                  <a:srgbClr val="CE9178"/>
+                </a:solidFill>
+                <a:latin typeface="Consolas" panose="020B0609020204030204" pitchFamily="49" charset="0"/>
+              </a:rPr>
+              <a:t>"!"</a:t>
+            </a:r>
+            <a:endParaRPr lang="en-US" sz="1600" dirty="0">
+              <a:solidFill>
+                <a:srgbClr val="D4D4D4"/>
+              </a:solidFill>
+              <a:latin typeface="Consolas" panose="020B0609020204030204" pitchFamily="49" charset="0"/>
+            </a:endParaRPr>
+          </a:p>
+          <a:p>
+            <a:r>
+              <a:rPr lang="en-US" sz="1600" dirty="0">
+                <a:solidFill>
+                  <a:srgbClr val="DCDCAA"/>
+                </a:solidFill>
+                <a:latin typeface="Consolas" panose="020B0609020204030204" pitchFamily="49" charset="0"/>
+              </a:rPr>
+              <a:t>print</a:t>
+            </a:r>
+            <a:r>
+              <a:rPr lang="en-US" sz="1600" dirty="0">
+                <a:solidFill>
+                  <a:srgbClr val="D4D4D4"/>
+                </a:solidFill>
+                <a:latin typeface="Consolas" panose="020B0609020204030204" pitchFamily="49" charset="0"/>
+              </a:rPr>
+              <a:t>(welcome)</a:t>
+            </a:r>
+          </a:p>
+        </p:txBody>
+      </p:sp>
+      <p:sp>
+        <p:nvSpPr>
+          <p:cNvPr id="12" name="Rectangle 11">
+            <a:extLst>
+              <a:ext uri="{FF2B5EF4-FFF2-40B4-BE49-F238E27FC236}">
+                <a16:creationId xmlns:a16="http://schemas.microsoft.com/office/drawing/2014/main" id="{33BDF2E5-77B7-CA49-86A5-C9D4869BA292}"/>
+              </a:ext>
+            </a:extLst>
+          </p:cNvPr>
+          <p:cNvSpPr/>
+          <p:nvPr/>
+        </p:nvSpPr>
+        <p:spPr>
+          <a:xfrm>
+            <a:off x="838200" y="5028816"/>
+            <a:ext cx="10515600" cy="1323439"/>
+          </a:xfrm>
+          <a:prstGeom prst="rect">
+            <a:avLst/>
+          </a:prstGeom>
+          <a:solidFill>
+            <a:schemeClr val="bg2">
+              <a:lumMod val="25000"/>
+            </a:schemeClr>
+          </a:solidFill>
+        </p:spPr>
+        <p:txBody>
+          <a:bodyPr wrap="square">
+            <a:spAutoFit/>
+          </a:bodyPr>
+          <a:lstStyle/>
+          <a:p>
+            <a:r>
+              <a:rPr lang="en-US" sz="1600" dirty="0">
+                <a:solidFill>
+                  <a:srgbClr val="D4D4D4"/>
+                </a:solidFill>
+                <a:latin typeface="Consolas" panose="020B0609020204030204" pitchFamily="49" charset="0"/>
+              </a:rPr>
+              <a:t>length = </a:t>
+            </a:r>
+            <a:r>
+              <a:rPr lang="en-US" sz="1600" dirty="0">
+                <a:solidFill>
+                  <a:srgbClr val="B5CEA8"/>
+                </a:solidFill>
+                <a:latin typeface="Consolas" panose="020B0609020204030204" pitchFamily="49" charset="0"/>
+              </a:rPr>
+              <a:t>20</a:t>
+            </a:r>
+            <a:endParaRPr lang="en-US" sz="1600" dirty="0">
+              <a:solidFill>
+                <a:srgbClr val="D4D4D4"/>
+              </a:solidFill>
+              <a:latin typeface="Consolas" panose="020B0609020204030204" pitchFamily="49" charset="0"/>
+            </a:endParaRPr>
+          </a:p>
+          <a:p>
+            <a:r>
+              <a:rPr lang="en-US" sz="1600" dirty="0">
+                <a:solidFill>
+                  <a:srgbClr val="D4D4D4"/>
+                </a:solidFill>
+                <a:latin typeface="Consolas" panose="020B0609020204030204" pitchFamily="49" charset="0"/>
+              </a:rPr>
+              <a:t>width = </a:t>
+            </a:r>
+            <a:r>
+              <a:rPr lang="en-US" sz="1600" dirty="0">
+                <a:solidFill>
+                  <a:srgbClr val="B5CEA8"/>
+                </a:solidFill>
+                <a:latin typeface="Consolas" panose="020B0609020204030204" pitchFamily="49" charset="0"/>
+              </a:rPr>
+              <a:t>40</a:t>
+            </a:r>
+            <a:endParaRPr lang="en-US" sz="1600" dirty="0">
+              <a:solidFill>
+                <a:srgbClr val="D4D4D4"/>
+              </a:solidFill>
+              <a:latin typeface="Consolas" panose="020B0609020204030204" pitchFamily="49" charset="0"/>
+            </a:endParaRPr>
+          </a:p>
+          <a:p>
+            <a:r>
+              <a:rPr lang="en-US" sz="1600" dirty="0">
+                <a:solidFill>
+                  <a:srgbClr val="D4D4D4"/>
+                </a:solidFill>
+                <a:latin typeface="Consolas" panose="020B0609020204030204" pitchFamily="49" charset="0"/>
+              </a:rPr>
+              <a:t>area = length * width</a:t>
+            </a:r>
+          </a:p>
+          <a:p>
+            <a:r>
+              <a:rPr lang="en-US" sz="1600" dirty="0">
+                <a:solidFill>
+                  <a:srgbClr val="D4D4D4"/>
+                </a:solidFill>
+                <a:latin typeface="Consolas" panose="020B0609020204030204" pitchFamily="49" charset="0"/>
+              </a:rPr>
+              <a:t>statement = </a:t>
+            </a:r>
+            <a:r>
+              <a:rPr lang="en-US" sz="1600" dirty="0">
+                <a:solidFill>
+                  <a:srgbClr val="CE9178"/>
+                </a:solidFill>
+                <a:latin typeface="Consolas" panose="020B0609020204030204" pitchFamily="49" charset="0"/>
+              </a:rPr>
+              <a:t>"The area is "</a:t>
+            </a:r>
+            <a:r>
+              <a:rPr lang="en-US" sz="1600" dirty="0">
+                <a:solidFill>
+                  <a:srgbClr val="D4D4D4"/>
+                </a:solidFill>
+                <a:latin typeface="Consolas" panose="020B0609020204030204" pitchFamily="49" charset="0"/>
+              </a:rPr>
+              <a:t> + area + </a:t>
+            </a:r>
+            <a:r>
+              <a:rPr lang="en-US" sz="1600" dirty="0">
+                <a:solidFill>
+                  <a:srgbClr val="CE9178"/>
+                </a:solidFill>
+                <a:latin typeface="Consolas" panose="020B0609020204030204" pitchFamily="49" charset="0"/>
+              </a:rPr>
+              <a:t>"."</a:t>
+            </a:r>
+            <a:endParaRPr lang="en-US" sz="1600" dirty="0">
+              <a:solidFill>
+                <a:srgbClr val="D4D4D4"/>
+              </a:solidFill>
+              <a:latin typeface="Consolas" panose="020B0609020204030204" pitchFamily="49" charset="0"/>
+            </a:endParaRPr>
+          </a:p>
+          <a:p>
+            <a:r>
+              <a:rPr lang="en-US" sz="1600" dirty="0">
+                <a:solidFill>
+                  <a:srgbClr val="DCDCAA"/>
+                </a:solidFill>
+                <a:latin typeface="Consolas" panose="020B0609020204030204" pitchFamily="49" charset="0"/>
+              </a:rPr>
+              <a:t>print</a:t>
+            </a:r>
+            <a:r>
+              <a:rPr lang="en-US" sz="1600" dirty="0">
+                <a:solidFill>
+                  <a:srgbClr val="D4D4D4"/>
+                </a:solidFill>
+                <a:latin typeface="Consolas" panose="020B0609020204030204" pitchFamily="49" charset="0"/>
+              </a:rPr>
+              <a:t>(statement)</a:t>
+            </a:r>
+          </a:p>
+        </p:txBody>
+      </p:sp>
+    </p:spTree>
+    <p:extLst>
+      <p:ext uri="{BB962C8B-B14F-4D97-AF65-F5344CB8AC3E}">
+        <p14:creationId xmlns:p14="http://schemas.microsoft.com/office/powerpoint/2010/main" val="886635714"/>
+      </p:ext>
+    </p:extLst>
+  </p:cSld>
+  <p:clrMapOvr>
+    <a:masterClrMapping/>
+  </p:clrMapOvr>
+</p:sld>
+</file>
+
+<file path=ppt/slides/slide11.xml><?xml version="1.0" encoding="utf-8"?>
+<p:sld xmlns:a="http://schemas.openxmlformats.org/drawingml/2006/main" xmlns:r="http://schemas.openxmlformats.org/officeDocument/2006/relationships" xmlns:p="http://schemas.openxmlformats.org/presentationml/2006/main">
+  <p:cSld>
+    <p:spTree>
+      <p:nvGrpSpPr>
+        <p:cNvPr id="1" name=""/>
+        <p:cNvGrpSpPr/>
+        <p:nvPr/>
+      </p:nvGrpSpPr>
+      <p:grpSpPr>
+        <a:xfrm>
+          <a:off x="0" y="0"/>
+          <a:ext cx="0" cy="0"/>
+          <a:chOff x="0" y="0"/>
+          <a:chExt cx="0" cy="0"/>
+        </a:xfrm>
+      </p:grpSpPr>
+      <p:sp>
+        <p:nvSpPr>
+          <p:cNvPr id="2" name="Title 1">
+            <a:extLst>
+              <a:ext uri="{FF2B5EF4-FFF2-40B4-BE49-F238E27FC236}">
+                <a16:creationId xmlns:a16="http://schemas.microsoft.com/office/drawing/2014/main" id="{8F3C2353-D7C4-4040-916A-0527F43EAEE9}"/>
+              </a:ext>
+            </a:extLst>
+          </p:cNvPr>
+          <p:cNvSpPr>
+            <a:spLocks noGrp="1"/>
+          </p:cNvSpPr>
+          <p:nvPr>
+            <p:ph type="title"/>
+          </p:nvPr>
+        </p:nvSpPr>
+        <p:spPr/>
+        <p:txBody>
+          <a:bodyPr/>
+          <a:lstStyle/>
+          <a:p>
+            <a:r>
+              <a:rPr lang="en-US" dirty="0"/>
+              <a:t>The Fix: Conversion Methods</a:t>
+            </a:r>
+          </a:p>
+        </p:txBody>
+      </p:sp>
+      <p:sp>
+        <p:nvSpPr>
+          <p:cNvPr id="8" name="Content Placeholder 2">
+            <a:extLst>
+              <a:ext uri="{FF2B5EF4-FFF2-40B4-BE49-F238E27FC236}">
+                <a16:creationId xmlns:a16="http://schemas.microsoft.com/office/drawing/2014/main" id="{2CC98C95-EF5B-5647-93AC-77122809140D}"/>
+              </a:ext>
+            </a:extLst>
+          </p:cNvPr>
+          <p:cNvSpPr>
+            <a:spLocks noGrp="1"/>
+          </p:cNvSpPr>
+          <p:nvPr>
+            <p:ph idx="1"/>
+          </p:nvPr>
+        </p:nvSpPr>
+        <p:spPr>
+          <a:xfrm>
+            <a:off x="838200" y="1830068"/>
+            <a:ext cx="10515600" cy="510980"/>
+          </a:xfrm>
+        </p:spPr>
+        <p:txBody>
+          <a:bodyPr>
+            <a:normAutofit lnSpcReduction="10000"/>
+          </a:bodyPr>
+          <a:lstStyle/>
+          <a:p>
+            <a:pPr marL="0" indent="0">
+              <a:buNone/>
+            </a:pPr>
+            <a:r>
+              <a:rPr lang="en-US" sz="3200" dirty="0"/>
+              <a:t>Number to string, use str():</a:t>
+            </a:r>
+          </a:p>
+        </p:txBody>
+      </p:sp>
+      <p:sp>
+        <p:nvSpPr>
+          <p:cNvPr id="9" name="Content Placeholder 2">
+            <a:extLst>
+              <a:ext uri="{FF2B5EF4-FFF2-40B4-BE49-F238E27FC236}">
+                <a16:creationId xmlns:a16="http://schemas.microsoft.com/office/drawing/2014/main" id="{1C1B0CE5-0394-B648-A4DE-D2ED92908194}"/>
+              </a:ext>
+            </a:extLst>
+          </p:cNvPr>
+          <p:cNvSpPr txBox="1">
+            <a:spLocks/>
+          </p:cNvSpPr>
+          <p:nvPr/>
+        </p:nvSpPr>
+        <p:spPr>
+          <a:xfrm>
+            <a:off x="838200" y="4009123"/>
+            <a:ext cx="10515600" cy="510980"/>
+          </a:xfrm>
+          <a:prstGeom prst="rect">
+            <a:avLst/>
+          </a:prstGeom>
+        </p:spPr>
+        <p:txBody>
+          <a:bodyPr vert="horz" lIns="91440" tIns="45720" rIns="91440" bIns="45720" rtlCol="0">
+            <a:normAutofit lnSpcReduction="10000"/>
+          </a:bodyPr>
+          <a:lstStyle>
+            <a:lvl1pPr marL="228600" indent="-228600" algn="l" defTabSz="914400" rtl="0" eaLnBrk="1" latinLnBrk="0" hangingPunct="1">
+              <a:lnSpc>
+                <a:spcPct val="90000"/>
+              </a:lnSpc>
+              <a:spcBef>
+                <a:spcPts val="1000"/>
+              </a:spcBef>
+              <a:buFont typeface="Arial" panose="020B0604020202020204" pitchFamily="34" charset="0"/>
+              <a:buChar char="•"/>
+              <a:defRPr sz="2800" kern="1200">
+                <a:solidFill>
+                  <a:schemeClr val="tx1"/>
+                </a:solidFill>
+                <a:latin typeface="+mn-lt"/>
+                <a:ea typeface="+mn-ea"/>
+                <a:cs typeface="+mn-cs"/>
+              </a:defRPr>
+            </a:lvl1pPr>
+            <a:lvl2pPr marL="685800" indent="-228600" algn="l" defTabSz="914400" rtl="0" eaLnBrk="1" latinLnBrk="0" hangingPunct="1">
+              <a:lnSpc>
+                <a:spcPct val="90000"/>
+              </a:lnSpc>
+              <a:spcBef>
+                <a:spcPts val="500"/>
+              </a:spcBef>
+              <a:buFont typeface="Arial" panose="020B0604020202020204" pitchFamily="34" charset="0"/>
+              <a:buChar char="•"/>
+              <a:defRPr sz="2400" kern="1200">
+                <a:solidFill>
+                  <a:schemeClr val="tx1"/>
+                </a:solidFill>
+                <a:latin typeface="+mn-lt"/>
+                <a:ea typeface="+mn-ea"/>
+                <a:cs typeface="+mn-cs"/>
+              </a:defRPr>
+            </a:lvl2pPr>
+            <a:lvl3pPr marL="1143000" indent="-228600" algn="l" defTabSz="914400" rtl="0" eaLnBrk="1" latinLnBrk="0" hangingPunct="1">
+              <a:lnSpc>
+                <a:spcPct val="90000"/>
+              </a:lnSpc>
+              <a:spcBef>
+                <a:spcPts val="500"/>
+              </a:spcBef>
+              <a:buFont typeface="Arial" panose="020B0604020202020204" pitchFamily="34" charset="0"/>
+              <a:buChar char="•"/>
+              <a:defRPr sz="2000" kern="1200">
+                <a:solidFill>
+                  <a:schemeClr val="tx1"/>
+                </a:solidFill>
+                <a:latin typeface="+mn-lt"/>
+                <a:ea typeface="+mn-ea"/>
+                <a:cs typeface="+mn-cs"/>
+              </a:defRPr>
+            </a:lvl3pPr>
+            <a:lvl4pPr marL="1600200" indent="-228600" algn="l" defTabSz="914400" rtl="0" eaLnBrk="1" latinLnBrk="0" hangingPunct="1">
+              <a:lnSpc>
+                <a:spcPct val="90000"/>
+              </a:lnSpc>
+              <a:spcBef>
+                <a:spcPts val="500"/>
+              </a:spcBef>
+              <a:buFont typeface="Arial" panose="020B0604020202020204" pitchFamily="34" charset="0"/>
+              <a:buChar char="•"/>
+              <a:defRPr sz="1800" kern="1200">
+                <a:solidFill>
+                  <a:schemeClr val="tx1"/>
+                </a:solidFill>
+                <a:latin typeface="+mn-lt"/>
+                <a:ea typeface="+mn-ea"/>
+                <a:cs typeface="+mn-cs"/>
+              </a:defRPr>
+            </a:lvl4pPr>
+            <a:lvl5pPr marL="2057400" indent="-228600" algn="l" defTabSz="914400" rtl="0" eaLnBrk="1" latinLnBrk="0" hangingPunct="1">
+              <a:lnSpc>
+                <a:spcPct val="90000"/>
+              </a:lnSpc>
+              <a:spcBef>
+                <a:spcPts val="500"/>
+              </a:spcBef>
+              <a:buFont typeface="Arial" panose="020B0604020202020204" pitchFamily="34" charset="0"/>
+              <a:buChar char="•"/>
+              <a:defRPr sz="1800" kern="1200">
+                <a:solidFill>
+                  <a:schemeClr val="tx1"/>
+                </a:solidFill>
+                <a:latin typeface="+mn-lt"/>
+                <a:ea typeface="+mn-ea"/>
+                <a:cs typeface="+mn-cs"/>
+              </a:defRPr>
+            </a:lvl5pPr>
+            <a:lvl6pPr marL="2514600" indent="-228600" algn="l" defTabSz="914400" rtl="0" eaLnBrk="1" latinLnBrk="0" hangingPunct="1">
+              <a:lnSpc>
+                <a:spcPct val="90000"/>
+              </a:lnSpc>
+              <a:spcBef>
+                <a:spcPts val="500"/>
+              </a:spcBef>
+              <a:buFont typeface="Arial" panose="020B0604020202020204" pitchFamily="34" charset="0"/>
+              <a:buChar char="•"/>
+              <a:defRPr sz="1800" kern="1200">
+                <a:solidFill>
+                  <a:schemeClr val="tx1"/>
+                </a:solidFill>
+                <a:latin typeface="+mn-lt"/>
+                <a:ea typeface="+mn-ea"/>
+                <a:cs typeface="+mn-cs"/>
+              </a:defRPr>
+            </a:lvl6pPr>
+            <a:lvl7pPr marL="2971800" indent="-228600" algn="l" defTabSz="914400" rtl="0" eaLnBrk="1" latinLnBrk="0" hangingPunct="1">
+              <a:lnSpc>
+                <a:spcPct val="90000"/>
+              </a:lnSpc>
+              <a:spcBef>
+                <a:spcPts val="500"/>
+              </a:spcBef>
+              <a:buFont typeface="Arial" panose="020B0604020202020204" pitchFamily="34" charset="0"/>
+              <a:buChar char="•"/>
+              <a:defRPr sz="1800" kern="1200">
+                <a:solidFill>
+                  <a:schemeClr val="tx1"/>
+                </a:solidFill>
+                <a:latin typeface="+mn-lt"/>
+                <a:ea typeface="+mn-ea"/>
+                <a:cs typeface="+mn-cs"/>
+              </a:defRPr>
+            </a:lvl7pPr>
+            <a:lvl8pPr marL="3429000" indent="-228600" algn="l" defTabSz="914400" rtl="0" eaLnBrk="1" latinLnBrk="0" hangingPunct="1">
+              <a:lnSpc>
+                <a:spcPct val="90000"/>
+              </a:lnSpc>
+              <a:spcBef>
+                <a:spcPts val="500"/>
+              </a:spcBef>
+              <a:buFont typeface="Arial" panose="020B0604020202020204" pitchFamily="34" charset="0"/>
+              <a:buChar char="•"/>
+              <a:defRPr sz="1800" kern="1200">
+                <a:solidFill>
+                  <a:schemeClr val="tx1"/>
+                </a:solidFill>
+                <a:latin typeface="+mn-lt"/>
+                <a:ea typeface="+mn-ea"/>
+                <a:cs typeface="+mn-cs"/>
+              </a:defRPr>
+            </a:lvl8pPr>
+            <a:lvl9pPr marL="3886200" indent="-228600" algn="l" defTabSz="914400" rtl="0" eaLnBrk="1" latinLnBrk="0" hangingPunct="1">
+              <a:lnSpc>
+                <a:spcPct val="90000"/>
+              </a:lnSpc>
+              <a:spcBef>
+                <a:spcPts val="500"/>
+              </a:spcBef>
+              <a:buFont typeface="Arial" panose="020B0604020202020204" pitchFamily="34" charset="0"/>
+              <a:buChar char="•"/>
+              <a:defRPr sz="1800" kern="1200">
+                <a:solidFill>
+                  <a:schemeClr val="tx1"/>
+                </a:solidFill>
+                <a:latin typeface="+mn-lt"/>
+                <a:ea typeface="+mn-ea"/>
+                <a:cs typeface="+mn-cs"/>
+              </a:defRPr>
+            </a:lvl9pPr>
+          </a:lstStyle>
+          <a:p>
+            <a:pPr marL="0" indent="0">
+              <a:buFont typeface="Arial" panose="020B0604020202020204" pitchFamily="34" charset="0"/>
+              <a:buNone/>
+            </a:pPr>
+            <a:r>
+              <a:rPr lang="en-US" sz="3200" dirty="0"/>
+              <a:t>String to number, use int() or float():</a:t>
+            </a:r>
+          </a:p>
+        </p:txBody>
+      </p:sp>
+      <p:sp>
+        <p:nvSpPr>
+          <p:cNvPr id="11" name="Rectangle 10">
+            <a:extLst>
+              <a:ext uri="{FF2B5EF4-FFF2-40B4-BE49-F238E27FC236}">
+                <a16:creationId xmlns:a16="http://schemas.microsoft.com/office/drawing/2014/main" id="{4B9D76A6-B805-3D4A-A2C0-449A63350EE4}"/>
+              </a:ext>
+            </a:extLst>
+          </p:cNvPr>
+          <p:cNvSpPr/>
+          <p:nvPr/>
+        </p:nvSpPr>
+        <p:spPr>
+          <a:xfrm>
+            <a:off x="838200" y="2341048"/>
+            <a:ext cx="10515600" cy="1323439"/>
+          </a:xfrm>
+          <a:prstGeom prst="rect">
+            <a:avLst/>
+          </a:prstGeom>
+          <a:solidFill>
+            <a:schemeClr val="bg2">
+              <a:lumMod val="25000"/>
+            </a:schemeClr>
+          </a:solidFill>
+        </p:spPr>
+        <p:txBody>
+          <a:bodyPr wrap="square">
+            <a:spAutoFit/>
+          </a:bodyPr>
+          <a:lstStyle/>
+          <a:p>
+            <a:r>
+              <a:rPr lang="en-US" sz="1600" dirty="0">
+                <a:solidFill>
+                  <a:srgbClr val="D4D4D4"/>
+                </a:solidFill>
+                <a:latin typeface="Consolas" panose="020B0609020204030204" pitchFamily="49" charset="0"/>
+              </a:rPr>
+              <a:t>length = </a:t>
+            </a:r>
+            <a:r>
+              <a:rPr lang="en-US" sz="1600" dirty="0">
+                <a:solidFill>
+                  <a:srgbClr val="B5CEA8"/>
+                </a:solidFill>
+                <a:latin typeface="Consolas" panose="020B0609020204030204" pitchFamily="49" charset="0"/>
+              </a:rPr>
+              <a:t>20</a:t>
+            </a:r>
+            <a:endParaRPr lang="en-US" sz="1600" dirty="0">
+              <a:solidFill>
+                <a:srgbClr val="D4D4D4"/>
+              </a:solidFill>
+              <a:latin typeface="Consolas" panose="020B0609020204030204" pitchFamily="49" charset="0"/>
+            </a:endParaRPr>
+          </a:p>
+          <a:p>
+            <a:r>
+              <a:rPr lang="en-US" sz="1600" dirty="0">
+                <a:solidFill>
+                  <a:srgbClr val="D4D4D4"/>
+                </a:solidFill>
+                <a:latin typeface="Consolas" panose="020B0609020204030204" pitchFamily="49" charset="0"/>
+              </a:rPr>
+              <a:t>width = </a:t>
+            </a:r>
+            <a:r>
+              <a:rPr lang="en-US" sz="1600" dirty="0">
+                <a:solidFill>
+                  <a:srgbClr val="B5CEA8"/>
+                </a:solidFill>
+                <a:latin typeface="Consolas" panose="020B0609020204030204" pitchFamily="49" charset="0"/>
+              </a:rPr>
+              <a:t>40</a:t>
+            </a:r>
+            <a:endParaRPr lang="en-US" sz="1600" dirty="0">
+              <a:solidFill>
+                <a:srgbClr val="D4D4D4"/>
+              </a:solidFill>
+              <a:latin typeface="Consolas" panose="020B0609020204030204" pitchFamily="49" charset="0"/>
+            </a:endParaRPr>
+          </a:p>
+          <a:p>
+            <a:r>
+              <a:rPr lang="en-US" sz="1600" dirty="0">
+                <a:solidFill>
+                  <a:srgbClr val="D4D4D4"/>
+                </a:solidFill>
+                <a:latin typeface="Consolas" panose="020B0609020204030204" pitchFamily="49" charset="0"/>
+              </a:rPr>
+              <a:t>area = length * width</a:t>
+            </a:r>
+          </a:p>
+          <a:p>
+            <a:r>
+              <a:rPr lang="en-US" sz="1600" dirty="0">
+                <a:solidFill>
+                  <a:srgbClr val="D4D4D4"/>
+                </a:solidFill>
+                <a:latin typeface="Consolas" panose="020B0609020204030204" pitchFamily="49" charset="0"/>
+              </a:rPr>
+              <a:t>statement = </a:t>
+            </a:r>
+            <a:r>
+              <a:rPr lang="en-US" sz="1600" dirty="0">
+                <a:solidFill>
+                  <a:srgbClr val="CE9178"/>
+                </a:solidFill>
+                <a:latin typeface="Consolas" panose="020B0609020204030204" pitchFamily="49" charset="0"/>
+              </a:rPr>
+              <a:t>"The area is "</a:t>
+            </a:r>
+            <a:r>
+              <a:rPr lang="en-US" sz="1600" dirty="0">
+                <a:solidFill>
+                  <a:srgbClr val="D4D4D4"/>
+                </a:solidFill>
+                <a:latin typeface="Consolas" panose="020B0609020204030204" pitchFamily="49" charset="0"/>
+              </a:rPr>
+              <a:t> + </a:t>
+            </a:r>
+            <a:r>
+              <a:rPr lang="en-US" sz="1600" dirty="0">
+                <a:solidFill>
+                  <a:srgbClr val="4EC9B0"/>
+                </a:solidFill>
+                <a:latin typeface="Consolas" panose="020B0609020204030204" pitchFamily="49" charset="0"/>
+              </a:rPr>
+              <a:t>str</a:t>
+            </a:r>
+            <a:r>
+              <a:rPr lang="en-US" sz="1600" dirty="0">
+                <a:solidFill>
+                  <a:srgbClr val="D4D4D4"/>
+                </a:solidFill>
+                <a:latin typeface="Consolas" panose="020B0609020204030204" pitchFamily="49" charset="0"/>
+              </a:rPr>
+              <a:t>(area) + </a:t>
+            </a:r>
+            <a:r>
+              <a:rPr lang="en-US" sz="1600" dirty="0">
+                <a:solidFill>
+                  <a:srgbClr val="CE9178"/>
+                </a:solidFill>
+                <a:latin typeface="Consolas" panose="020B0609020204030204" pitchFamily="49" charset="0"/>
+              </a:rPr>
+              <a:t>"."</a:t>
+            </a:r>
+            <a:endParaRPr lang="en-US" sz="1600" dirty="0">
+              <a:solidFill>
+                <a:srgbClr val="D4D4D4"/>
+              </a:solidFill>
+              <a:latin typeface="Consolas" panose="020B0609020204030204" pitchFamily="49" charset="0"/>
+            </a:endParaRPr>
+          </a:p>
+          <a:p>
+            <a:r>
+              <a:rPr lang="en-US" sz="1600" dirty="0">
+                <a:solidFill>
+                  <a:srgbClr val="DCDCAA"/>
+                </a:solidFill>
+                <a:latin typeface="Consolas" panose="020B0609020204030204" pitchFamily="49" charset="0"/>
+              </a:rPr>
+              <a:t>print</a:t>
+            </a:r>
+            <a:r>
+              <a:rPr lang="en-US" sz="1600" dirty="0">
+                <a:solidFill>
+                  <a:srgbClr val="D4D4D4"/>
+                </a:solidFill>
+                <a:latin typeface="Consolas" panose="020B0609020204030204" pitchFamily="49" charset="0"/>
+              </a:rPr>
+              <a:t>(statement)</a:t>
+            </a:r>
+          </a:p>
+        </p:txBody>
+      </p:sp>
+      <p:sp>
+        <p:nvSpPr>
+          <p:cNvPr id="12" name="Rectangle 11">
+            <a:extLst>
+              <a:ext uri="{FF2B5EF4-FFF2-40B4-BE49-F238E27FC236}">
+                <a16:creationId xmlns:a16="http://schemas.microsoft.com/office/drawing/2014/main" id="{33BDF2E5-77B7-CA49-86A5-C9D4869BA292}"/>
+              </a:ext>
+            </a:extLst>
+          </p:cNvPr>
+          <p:cNvSpPr/>
+          <p:nvPr/>
+        </p:nvSpPr>
+        <p:spPr>
+          <a:xfrm>
+            <a:off x="838200" y="4520102"/>
+            <a:ext cx="10515600" cy="1077218"/>
+          </a:xfrm>
+          <a:prstGeom prst="rect">
+            <a:avLst/>
+          </a:prstGeom>
+          <a:solidFill>
+            <a:schemeClr val="bg2">
+              <a:lumMod val="25000"/>
+            </a:schemeClr>
+          </a:solidFill>
+        </p:spPr>
+        <p:txBody>
+          <a:bodyPr wrap="square">
+            <a:spAutoFit/>
+          </a:bodyPr>
+          <a:lstStyle/>
+          <a:p>
+            <a:r>
+              <a:rPr lang="en-US" sz="1600" dirty="0">
+                <a:solidFill>
+                  <a:srgbClr val="D4D4D4"/>
+                </a:solidFill>
+                <a:latin typeface="Consolas" panose="020B0609020204030204" pitchFamily="49" charset="0"/>
+              </a:rPr>
+              <a:t>age = </a:t>
+            </a:r>
+            <a:r>
+              <a:rPr lang="en-US" sz="1600" dirty="0">
+                <a:solidFill>
+                  <a:srgbClr val="4EC9B0"/>
+                </a:solidFill>
+                <a:latin typeface="Consolas" panose="020B0609020204030204" pitchFamily="49" charset="0"/>
+              </a:rPr>
+              <a:t>int</a:t>
+            </a:r>
+            <a:r>
+              <a:rPr lang="en-US" sz="1600" dirty="0">
+                <a:solidFill>
+                  <a:srgbClr val="D4D4D4"/>
+                </a:solidFill>
+                <a:latin typeface="Consolas" panose="020B0609020204030204" pitchFamily="49" charset="0"/>
+              </a:rPr>
+              <a:t>(</a:t>
+            </a:r>
+            <a:r>
+              <a:rPr lang="en-US" sz="1600" dirty="0">
+                <a:solidFill>
+                  <a:srgbClr val="DCDCAA"/>
+                </a:solidFill>
+                <a:latin typeface="Consolas" panose="020B0609020204030204" pitchFamily="49" charset="0"/>
+              </a:rPr>
+              <a:t>input</a:t>
+            </a:r>
+            <a:r>
+              <a:rPr lang="en-US" sz="1600" dirty="0">
+                <a:solidFill>
+                  <a:srgbClr val="D4D4D4"/>
+                </a:solidFill>
+                <a:latin typeface="Consolas" panose="020B0609020204030204" pitchFamily="49" charset="0"/>
+              </a:rPr>
+              <a:t>(</a:t>
+            </a:r>
+            <a:r>
+              <a:rPr lang="en-US" sz="1600" dirty="0">
+                <a:solidFill>
+                  <a:srgbClr val="CE9178"/>
+                </a:solidFill>
+                <a:latin typeface="Consolas" panose="020B0609020204030204" pitchFamily="49" charset="0"/>
+              </a:rPr>
+              <a:t>"What is your age? "</a:t>
+            </a:r>
+            <a:r>
+              <a:rPr lang="en-US" sz="1600" dirty="0">
+                <a:solidFill>
+                  <a:srgbClr val="D4D4D4"/>
+                </a:solidFill>
+                <a:latin typeface="Consolas" panose="020B0609020204030204" pitchFamily="49" charset="0"/>
+              </a:rPr>
+              <a:t>))</a:t>
+            </a:r>
+          </a:p>
+          <a:p>
+            <a:r>
+              <a:rPr lang="en-US" sz="1600" dirty="0" err="1">
+                <a:solidFill>
+                  <a:srgbClr val="D4D4D4"/>
+                </a:solidFill>
+                <a:latin typeface="Consolas" panose="020B0609020204030204" pitchFamily="49" charset="0"/>
+              </a:rPr>
+              <a:t>dog_years</a:t>
+            </a:r>
+            <a:r>
+              <a:rPr lang="en-US" sz="1600" dirty="0">
+                <a:solidFill>
+                  <a:srgbClr val="D4D4D4"/>
+                </a:solidFill>
+                <a:latin typeface="Consolas" panose="020B0609020204030204" pitchFamily="49" charset="0"/>
+              </a:rPr>
+              <a:t> = age * </a:t>
+            </a:r>
+            <a:r>
+              <a:rPr lang="en-US" sz="1600" dirty="0">
+                <a:solidFill>
+                  <a:srgbClr val="B5CEA8"/>
+                </a:solidFill>
+                <a:latin typeface="Consolas" panose="020B0609020204030204" pitchFamily="49" charset="0"/>
+              </a:rPr>
+              <a:t>7</a:t>
+            </a:r>
+            <a:endParaRPr lang="en-US" sz="1600" dirty="0">
+              <a:solidFill>
+                <a:srgbClr val="D4D4D4"/>
+              </a:solidFill>
+              <a:latin typeface="Consolas" panose="020B0609020204030204" pitchFamily="49" charset="0"/>
+            </a:endParaRPr>
+          </a:p>
+          <a:p>
+            <a:r>
+              <a:rPr lang="en-US" sz="1600" dirty="0">
+                <a:solidFill>
+                  <a:srgbClr val="D4D4D4"/>
+                </a:solidFill>
+                <a:latin typeface="Consolas" panose="020B0609020204030204" pitchFamily="49" charset="0"/>
+              </a:rPr>
+              <a:t>statement = </a:t>
+            </a:r>
+            <a:r>
+              <a:rPr lang="en-US" sz="1600" dirty="0">
+                <a:solidFill>
+                  <a:srgbClr val="CE9178"/>
+                </a:solidFill>
+                <a:latin typeface="Consolas" panose="020B0609020204030204" pitchFamily="49" charset="0"/>
+              </a:rPr>
+              <a:t>"You are "</a:t>
+            </a:r>
+            <a:r>
+              <a:rPr lang="en-US" sz="1600" dirty="0">
+                <a:solidFill>
+                  <a:srgbClr val="D4D4D4"/>
+                </a:solidFill>
+                <a:latin typeface="Consolas" panose="020B0609020204030204" pitchFamily="49" charset="0"/>
+              </a:rPr>
+              <a:t> + </a:t>
+            </a:r>
+            <a:r>
+              <a:rPr lang="en-US" sz="1600" dirty="0">
+                <a:solidFill>
+                  <a:srgbClr val="4EC9B0"/>
+                </a:solidFill>
+                <a:latin typeface="Consolas" panose="020B0609020204030204" pitchFamily="49" charset="0"/>
+              </a:rPr>
+              <a:t>str</a:t>
+            </a:r>
+            <a:r>
+              <a:rPr lang="en-US" sz="1600" dirty="0">
+                <a:solidFill>
+                  <a:srgbClr val="D4D4D4"/>
+                </a:solidFill>
+                <a:latin typeface="Consolas" panose="020B0609020204030204" pitchFamily="49" charset="0"/>
+              </a:rPr>
+              <a:t>(</a:t>
+            </a:r>
+            <a:r>
+              <a:rPr lang="en-US" sz="1600" dirty="0" err="1">
+                <a:solidFill>
+                  <a:srgbClr val="D4D4D4"/>
+                </a:solidFill>
+                <a:latin typeface="Consolas" panose="020B0609020204030204" pitchFamily="49" charset="0"/>
+              </a:rPr>
+              <a:t>dog_years</a:t>
+            </a:r>
+            <a:r>
+              <a:rPr lang="en-US" sz="1600" dirty="0">
+                <a:solidFill>
+                  <a:srgbClr val="D4D4D4"/>
+                </a:solidFill>
+                <a:latin typeface="Consolas" panose="020B0609020204030204" pitchFamily="49" charset="0"/>
+              </a:rPr>
+              <a:t>) + </a:t>
+            </a:r>
+            <a:r>
+              <a:rPr lang="en-US" sz="1600" dirty="0">
+                <a:solidFill>
+                  <a:srgbClr val="CE9178"/>
+                </a:solidFill>
+                <a:latin typeface="Consolas" panose="020B0609020204030204" pitchFamily="49" charset="0"/>
+              </a:rPr>
+              <a:t>" years old in dog years."</a:t>
+            </a:r>
+            <a:endParaRPr lang="en-US" sz="1600" dirty="0">
+              <a:solidFill>
+                <a:srgbClr val="D4D4D4"/>
+              </a:solidFill>
+              <a:latin typeface="Consolas" panose="020B0609020204030204" pitchFamily="49" charset="0"/>
+            </a:endParaRPr>
+          </a:p>
+          <a:p>
+            <a:r>
+              <a:rPr lang="en-US" sz="1600" dirty="0">
+                <a:solidFill>
+                  <a:srgbClr val="DCDCAA"/>
+                </a:solidFill>
+                <a:latin typeface="Consolas" panose="020B0609020204030204" pitchFamily="49" charset="0"/>
+              </a:rPr>
+              <a:t>print</a:t>
+            </a:r>
+            <a:r>
+              <a:rPr lang="en-US" sz="1600" dirty="0">
+                <a:solidFill>
+                  <a:srgbClr val="D4D4D4"/>
+                </a:solidFill>
+                <a:latin typeface="Consolas" panose="020B0609020204030204" pitchFamily="49" charset="0"/>
+              </a:rPr>
+              <a:t>(statement)</a:t>
+            </a:r>
+            <a:endParaRPr lang="en-US" sz="1600" b="0" dirty="0">
+              <a:solidFill>
+                <a:srgbClr val="D4D4D4"/>
+              </a:solidFill>
+              <a:effectLst/>
+              <a:latin typeface="Menlo" panose="020B0609030804020204" pitchFamily="49" charset="0"/>
+            </a:endParaRPr>
+          </a:p>
+        </p:txBody>
+      </p:sp>
+    </p:spTree>
+    <p:extLst>
+      <p:ext uri="{BB962C8B-B14F-4D97-AF65-F5344CB8AC3E}">
+        <p14:creationId xmlns:p14="http://schemas.microsoft.com/office/powerpoint/2010/main" val="967415028"/>
+      </p:ext>
+    </p:extLst>
+  </p:cSld>
+  <p:clrMapOvr>
+    <a:masterClrMapping/>
+  </p:clrMapOvr>
+</p:sld>
+</file>
+
+<file path=ppt/slides/slide12.xml><?xml version="1.0" encoding="utf-8"?>
+<p:sld xmlns:a="http://schemas.openxmlformats.org/drawingml/2006/main" xmlns:r="http://schemas.openxmlformats.org/officeDocument/2006/relationships" xmlns:p="http://schemas.openxmlformats.org/presentationml/2006/main">
+  <p:cSld>
+    <p:spTree>
+      <p:nvGrpSpPr>
+        <p:cNvPr id="1" name=""/>
+        <p:cNvGrpSpPr/>
+        <p:nvPr/>
+      </p:nvGrpSpPr>
+      <p:grpSpPr>
+        <a:xfrm>
+          <a:off x="0" y="0"/>
+          <a:ext cx="0" cy="0"/>
+          <a:chOff x="0" y="0"/>
+          <a:chExt cx="0" cy="0"/>
+        </a:xfrm>
+      </p:grpSpPr>
+      <p:sp>
+        <p:nvSpPr>
+          <p:cNvPr id="2" name="Title 1">
+            <a:extLst>
+              <a:ext uri="{FF2B5EF4-FFF2-40B4-BE49-F238E27FC236}">
+                <a16:creationId xmlns:a16="http://schemas.microsoft.com/office/drawing/2014/main" id="{8F3C2353-D7C4-4040-916A-0527F43EAEE9}"/>
+              </a:ext>
+            </a:extLst>
+          </p:cNvPr>
+          <p:cNvSpPr>
+            <a:spLocks noGrp="1"/>
+          </p:cNvSpPr>
+          <p:nvPr>
+            <p:ph type="title"/>
+          </p:nvPr>
+        </p:nvSpPr>
+        <p:spPr/>
+        <p:txBody>
+          <a:bodyPr/>
+          <a:lstStyle/>
+          <a:p>
+            <a:r>
+              <a:rPr lang="en-US" dirty="0"/>
+              <a:t>Comments</a:t>
+            </a:r>
+          </a:p>
+        </p:txBody>
+      </p:sp>
+      <p:sp>
+        <p:nvSpPr>
+          <p:cNvPr id="8" name="Content Placeholder 2">
+            <a:extLst>
+              <a:ext uri="{FF2B5EF4-FFF2-40B4-BE49-F238E27FC236}">
+                <a16:creationId xmlns:a16="http://schemas.microsoft.com/office/drawing/2014/main" id="{2CC98C95-EF5B-5647-93AC-77122809140D}"/>
+              </a:ext>
+            </a:extLst>
+          </p:cNvPr>
+          <p:cNvSpPr>
+            <a:spLocks noGrp="1"/>
+          </p:cNvSpPr>
+          <p:nvPr>
+            <p:ph idx="1"/>
+          </p:nvPr>
+        </p:nvSpPr>
+        <p:spPr>
+          <a:xfrm>
+            <a:off x="838200" y="1830068"/>
+            <a:ext cx="10515600" cy="510980"/>
+          </a:xfrm>
+        </p:spPr>
+        <p:txBody>
+          <a:bodyPr>
+            <a:normAutofit lnSpcReduction="10000"/>
+          </a:bodyPr>
+          <a:lstStyle/>
+          <a:p>
+            <a:pPr marL="0" indent="0">
+              <a:buNone/>
+            </a:pPr>
+            <a:r>
+              <a:rPr lang="en-US" sz="3200" dirty="0"/>
+              <a:t>Use “#” to input lines the computer won’t read</a:t>
+            </a:r>
+          </a:p>
+        </p:txBody>
+      </p:sp>
+      <p:sp>
+        <p:nvSpPr>
+          <p:cNvPr id="11" name="Rectangle 10">
+            <a:extLst>
+              <a:ext uri="{FF2B5EF4-FFF2-40B4-BE49-F238E27FC236}">
+                <a16:creationId xmlns:a16="http://schemas.microsoft.com/office/drawing/2014/main" id="{4B9D76A6-B805-3D4A-A2C0-449A63350EE4}"/>
+              </a:ext>
+            </a:extLst>
+          </p:cNvPr>
+          <p:cNvSpPr/>
+          <p:nvPr/>
+        </p:nvSpPr>
+        <p:spPr>
+          <a:xfrm>
+            <a:off x="838200" y="2341048"/>
+            <a:ext cx="10515600" cy="1600438"/>
+          </a:xfrm>
+          <a:prstGeom prst="rect">
+            <a:avLst/>
+          </a:prstGeom>
+          <a:solidFill>
+            <a:schemeClr val="bg2">
+              <a:lumMod val="25000"/>
+            </a:schemeClr>
+          </a:solidFill>
+        </p:spPr>
+        <p:txBody>
+          <a:bodyPr wrap="square">
+            <a:spAutoFit/>
+          </a:bodyPr>
+          <a:lstStyle/>
+          <a:p>
+            <a:r>
+              <a:rPr lang="en-US" sz="1600" dirty="0">
+                <a:solidFill>
+                  <a:srgbClr val="6A9955"/>
+                </a:solidFill>
+                <a:latin typeface="Consolas" panose="020B0609020204030204" pitchFamily="49" charset="0"/>
+              </a:rPr>
+              <a:t># Calculate the area</a:t>
+            </a:r>
+            <a:endParaRPr lang="en-US" sz="1600" dirty="0">
+              <a:solidFill>
+                <a:srgbClr val="D4D4D4"/>
+              </a:solidFill>
+              <a:latin typeface="Consolas" panose="020B0609020204030204" pitchFamily="49" charset="0"/>
+            </a:endParaRPr>
+          </a:p>
+          <a:p>
+            <a:r>
+              <a:rPr lang="en-US" sz="1600" dirty="0">
+                <a:solidFill>
+                  <a:srgbClr val="D4D4D4"/>
+                </a:solidFill>
+                <a:latin typeface="Consolas" panose="020B0609020204030204" pitchFamily="49" charset="0"/>
+              </a:rPr>
+              <a:t>length = </a:t>
+            </a:r>
+            <a:r>
+              <a:rPr lang="en-US" sz="1600" dirty="0">
+                <a:solidFill>
+                  <a:srgbClr val="B5CEA8"/>
+                </a:solidFill>
+                <a:latin typeface="Consolas" panose="020B0609020204030204" pitchFamily="49" charset="0"/>
+              </a:rPr>
+              <a:t>20</a:t>
+            </a:r>
+            <a:endParaRPr lang="en-US" sz="1600" dirty="0">
+              <a:solidFill>
+                <a:srgbClr val="D4D4D4"/>
+              </a:solidFill>
+              <a:latin typeface="Consolas" panose="020B0609020204030204" pitchFamily="49" charset="0"/>
+            </a:endParaRPr>
+          </a:p>
+          <a:p>
+            <a:r>
+              <a:rPr lang="en-US" sz="1600" dirty="0">
+                <a:solidFill>
+                  <a:srgbClr val="D4D4D4"/>
+                </a:solidFill>
+                <a:latin typeface="Consolas" panose="020B0609020204030204" pitchFamily="49" charset="0"/>
+              </a:rPr>
+              <a:t>width = </a:t>
+            </a:r>
+            <a:r>
+              <a:rPr lang="en-US" sz="1600" dirty="0">
+                <a:solidFill>
+                  <a:srgbClr val="B5CEA8"/>
+                </a:solidFill>
+                <a:latin typeface="Consolas" panose="020B0609020204030204" pitchFamily="49" charset="0"/>
+              </a:rPr>
+              <a:t>40</a:t>
+            </a:r>
+            <a:endParaRPr lang="en-US" sz="1600" dirty="0">
+              <a:solidFill>
+                <a:srgbClr val="D4D4D4"/>
+              </a:solidFill>
+              <a:latin typeface="Consolas" panose="020B0609020204030204" pitchFamily="49" charset="0"/>
+            </a:endParaRPr>
+          </a:p>
+          <a:p>
+            <a:r>
+              <a:rPr lang="en-US" sz="1600" dirty="0">
+                <a:solidFill>
+                  <a:srgbClr val="D4D4D4"/>
+                </a:solidFill>
+                <a:latin typeface="Consolas" panose="020B0609020204030204" pitchFamily="49" charset="0"/>
+              </a:rPr>
+              <a:t>area = length * width</a:t>
+            </a:r>
+          </a:p>
+          <a:p>
+            <a:r>
+              <a:rPr lang="en-US" sz="1600" dirty="0">
+                <a:solidFill>
+                  <a:srgbClr val="D4D4D4"/>
+                </a:solidFill>
+                <a:latin typeface="Consolas" panose="020B0609020204030204" pitchFamily="49" charset="0"/>
+              </a:rPr>
+              <a:t>statement = </a:t>
+            </a:r>
+            <a:r>
+              <a:rPr lang="en-US" sz="1600" dirty="0">
+                <a:solidFill>
+                  <a:srgbClr val="CE9178"/>
+                </a:solidFill>
+                <a:latin typeface="Consolas" panose="020B0609020204030204" pitchFamily="49" charset="0"/>
+              </a:rPr>
+              <a:t>"The area is "</a:t>
+            </a:r>
+            <a:r>
+              <a:rPr lang="en-US" sz="1600" dirty="0">
+                <a:solidFill>
+                  <a:srgbClr val="D4D4D4"/>
+                </a:solidFill>
+                <a:latin typeface="Consolas" panose="020B0609020204030204" pitchFamily="49" charset="0"/>
+              </a:rPr>
+              <a:t> + </a:t>
+            </a:r>
+            <a:r>
+              <a:rPr lang="en-US" sz="1600" dirty="0">
+                <a:solidFill>
+                  <a:srgbClr val="4EC9B0"/>
+                </a:solidFill>
+                <a:latin typeface="Consolas" panose="020B0609020204030204" pitchFamily="49" charset="0"/>
+              </a:rPr>
+              <a:t>str</a:t>
+            </a:r>
+            <a:r>
+              <a:rPr lang="en-US" sz="1600" dirty="0">
+                <a:solidFill>
+                  <a:srgbClr val="D4D4D4"/>
+                </a:solidFill>
+                <a:latin typeface="Consolas" panose="020B0609020204030204" pitchFamily="49" charset="0"/>
+              </a:rPr>
+              <a:t>(area) + </a:t>
+            </a:r>
+            <a:r>
+              <a:rPr lang="en-US" sz="1600" dirty="0">
+                <a:solidFill>
+                  <a:srgbClr val="CE9178"/>
+                </a:solidFill>
+                <a:latin typeface="Consolas" panose="020B0609020204030204" pitchFamily="49" charset="0"/>
+              </a:rPr>
+              <a:t>"."</a:t>
+            </a:r>
+            <a:endParaRPr lang="en-US" sz="1600" dirty="0">
+              <a:solidFill>
+                <a:srgbClr val="D4D4D4"/>
+              </a:solidFill>
+              <a:latin typeface="Consolas" panose="020B0609020204030204" pitchFamily="49" charset="0"/>
+            </a:endParaRPr>
+          </a:p>
+          <a:p>
+            <a:r>
+              <a:rPr lang="en-US" sz="1600" dirty="0">
+                <a:solidFill>
+                  <a:srgbClr val="DCDCAA"/>
+                </a:solidFill>
+                <a:latin typeface="Consolas" panose="020B0609020204030204" pitchFamily="49" charset="0"/>
+              </a:rPr>
+              <a:t>print</a:t>
+            </a:r>
+            <a:r>
+              <a:rPr lang="en-US" sz="1600" dirty="0">
+                <a:solidFill>
+                  <a:srgbClr val="D4D4D4"/>
+                </a:solidFill>
+                <a:latin typeface="Consolas" panose="020B0609020204030204" pitchFamily="49" charset="0"/>
+              </a:rPr>
+              <a:t>(statement)</a:t>
+            </a:r>
+          </a:p>
+        </p:txBody>
+      </p:sp>
+    </p:spTree>
+    <p:extLst>
+      <p:ext uri="{BB962C8B-B14F-4D97-AF65-F5344CB8AC3E}">
+        <p14:creationId xmlns:p14="http://schemas.microsoft.com/office/powerpoint/2010/main" val="2465564785"/>
       </p:ext>
     </p:extLst>
   </p:cSld>
@@ -8902,6 +10594,89 @@
 </p:sld>
 </file>
 
+<file path=ppt/slides/slide9.xml><?xml version="1.0" encoding="utf-8"?>
+<p:sld xmlns:a="http://schemas.openxmlformats.org/drawingml/2006/main" xmlns:r="http://schemas.openxmlformats.org/officeDocument/2006/relationships" xmlns:p="http://schemas.openxmlformats.org/presentationml/2006/main">
+  <p:cSld>
+    <p:spTree>
+      <p:nvGrpSpPr>
+        <p:cNvPr id="1" name=""/>
+        <p:cNvGrpSpPr/>
+        <p:nvPr/>
+      </p:nvGrpSpPr>
+      <p:grpSpPr>
+        <a:xfrm>
+          <a:off x="0" y="0"/>
+          <a:ext cx="0" cy="0"/>
+          <a:chOff x="0" y="0"/>
+          <a:chExt cx="0" cy="0"/>
+        </a:xfrm>
+      </p:grpSpPr>
+      <p:sp>
+        <p:nvSpPr>
+          <p:cNvPr id="2" name="Title 1">
+            <a:extLst>
+              <a:ext uri="{FF2B5EF4-FFF2-40B4-BE49-F238E27FC236}">
+                <a16:creationId xmlns:a16="http://schemas.microsoft.com/office/drawing/2014/main" id="{261C0A93-96AA-44E0-B3D6-FF0275AF9274}"/>
+              </a:ext>
+            </a:extLst>
+          </p:cNvPr>
+          <p:cNvSpPr>
+            <a:spLocks noGrp="1"/>
+          </p:cNvSpPr>
+          <p:nvPr>
+            <p:ph type="ctrTitle"/>
+          </p:nvPr>
+        </p:nvSpPr>
+        <p:spPr/>
+        <p:txBody>
+          <a:bodyPr/>
+          <a:lstStyle/>
+          <a:p>
+            <a:r>
+              <a:rPr lang="en-US" dirty="0"/>
+              <a:t>Helpful Tips</a:t>
+            </a:r>
+          </a:p>
+        </p:txBody>
+      </p:sp>
+      <p:sp>
+        <p:nvSpPr>
+          <p:cNvPr id="3" name="Subtitle 2">
+            <a:extLst>
+              <a:ext uri="{FF2B5EF4-FFF2-40B4-BE49-F238E27FC236}">
+                <a16:creationId xmlns:a16="http://schemas.microsoft.com/office/drawing/2014/main" id="{B2892487-6D5E-41D3-98F0-29EC71A8422C}"/>
+              </a:ext>
+            </a:extLst>
+          </p:cNvPr>
+          <p:cNvSpPr>
+            <a:spLocks noGrp="1"/>
+          </p:cNvSpPr>
+          <p:nvPr>
+            <p:ph type="subTitle" idx="1"/>
+          </p:nvPr>
+        </p:nvSpPr>
+        <p:spPr/>
+        <p:txBody>
+          <a:bodyPr/>
+          <a:lstStyle/>
+          <a:p>
+            <a:endParaRPr lang="en-US" dirty="0"/>
+          </a:p>
+        </p:txBody>
+      </p:sp>
+    </p:spTree>
+    <p:extLst>
+      <p:ext uri="{BB962C8B-B14F-4D97-AF65-F5344CB8AC3E}">
+        <p14:creationId xmlns:p14="http://schemas.microsoft.com/office/powerpoint/2010/main" val="2357399044"/>
+      </p:ext>
+    </p:extLst>
+  </p:cSld>
+  <p:clrMapOvr>
+    <a:masterClrMapping/>
+  </p:clrMapOvr>
+</p:sld>
+</file>
+
 <file path=ppt/theme/theme1.xml><?xml version="1.0" encoding="utf-8"?>
 <a:theme xmlns:a="http://schemas.openxmlformats.org/drawingml/2006/main" name="Office Theme">
   <a:themeElements>

--- a/Lesson 1/Lesson 1.pptx
+++ b/Lesson 1/Lesson 1.pptx
@@ -16,7 +16,8 @@
     <p:sldId id="298" r:id="rId10"/>
     <p:sldId id="299" r:id="rId11"/>
     <p:sldId id="300" r:id="rId12"/>
-    <p:sldId id="301" r:id="rId13"/>
+    <p:sldId id="306" r:id="rId13"/>
+    <p:sldId id="301" r:id="rId14"/>
   </p:sldIdLst>
   <p:sldSz cx="12192000" cy="6858000"/>
   <p:notesSz cx="6858000" cy="9144000"/>
@@ -270,7 +271,7 @@
           <a:p>
             <a:fld id="{76586147-1295-4C85-B48B-BFD57414E2B2}" type="datetimeFigureOut">
               <a:rPr lang="en-US" smtClean="0"/>
-              <a:t>2/5/2019</a:t>
+              <a:t>2/17/2019</a:t>
             </a:fld>
             <a:endParaRPr lang="en-US"/>
           </a:p>
@@ -676,7 +677,7 @@
           <a:p>
             <a:fld id="{76586147-1295-4C85-B48B-BFD57414E2B2}" type="datetimeFigureOut">
               <a:rPr lang="en-US" smtClean="0"/>
-              <a:t>2/5/2019</a:t>
+              <a:t>2/17/2019</a:t>
             </a:fld>
             <a:endParaRPr lang="en-US"/>
           </a:p>
@@ -1094,7 +1095,7 @@
           <a:p>
             <a:fld id="{76586147-1295-4C85-B48B-BFD57414E2B2}" type="datetimeFigureOut">
               <a:rPr lang="en-US" smtClean="0"/>
-              <a:t>2/5/2019</a:t>
+              <a:t>2/17/2019</a:t>
             </a:fld>
             <a:endParaRPr lang="en-US"/>
           </a:p>
@@ -1502,7 +1503,7 @@
           <a:p>
             <a:fld id="{76586147-1295-4C85-B48B-BFD57414E2B2}" type="datetimeFigureOut">
               <a:rPr lang="en-US" smtClean="0"/>
-              <a:t>2/5/2019</a:t>
+              <a:t>2/17/2019</a:t>
             </a:fld>
             <a:endParaRPr lang="en-US"/>
           </a:p>
@@ -1985,7 +1986,7 @@
           <a:p>
             <a:fld id="{76586147-1295-4C85-B48B-BFD57414E2B2}" type="datetimeFigureOut">
               <a:rPr lang="en-US" smtClean="0"/>
-              <a:t>2/5/2019</a:t>
+              <a:t>2/17/2019</a:t>
             </a:fld>
             <a:endParaRPr lang="en-US"/>
           </a:p>
@@ -2458,7 +2459,7 @@
           <a:p>
             <a:fld id="{76586147-1295-4C85-B48B-BFD57414E2B2}" type="datetimeFigureOut">
               <a:rPr lang="en-US" smtClean="0"/>
-              <a:t>2/5/2019</a:t>
+              <a:t>2/17/2019</a:t>
             </a:fld>
             <a:endParaRPr lang="en-US"/>
           </a:p>
@@ -3078,7 +3079,7 @@
           <a:p>
             <a:fld id="{76586147-1295-4C85-B48B-BFD57414E2B2}" type="datetimeFigureOut">
               <a:rPr lang="en-US" smtClean="0"/>
-              <a:t>2/5/2019</a:t>
+              <a:t>2/17/2019</a:t>
             </a:fld>
             <a:endParaRPr lang="en-US"/>
           </a:p>
@@ -3433,7 +3434,7 @@
           <a:p>
             <a:fld id="{76586147-1295-4C85-B48B-BFD57414E2B2}" type="datetimeFigureOut">
               <a:rPr lang="en-US" smtClean="0"/>
-              <a:t>2/5/2019</a:t>
+              <a:t>2/17/2019</a:t>
             </a:fld>
             <a:endParaRPr lang="en-US"/>
           </a:p>
@@ -3754,7 +3755,7 @@
           <a:p>
             <a:fld id="{76586147-1295-4C85-B48B-BFD57414E2B2}" type="datetimeFigureOut">
               <a:rPr lang="en-US" smtClean="0"/>
-              <a:t>2/5/2019</a:t>
+              <a:t>2/17/2019</a:t>
             </a:fld>
             <a:endParaRPr lang="en-US"/>
           </a:p>
@@ -4273,7 +4274,7 @@
           <a:p>
             <a:fld id="{76586147-1295-4C85-B48B-BFD57414E2B2}" type="datetimeFigureOut">
               <a:rPr lang="en-US" smtClean="0"/>
-              <a:t>2/5/2019</a:t>
+              <a:t>2/17/2019</a:t>
             </a:fld>
             <a:endParaRPr lang="en-US"/>
           </a:p>
@@ -4772,7 +4773,7 @@
           <a:p>
             <a:fld id="{76586147-1295-4C85-B48B-BFD57414E2B2}" type="datetimeFigureOut">
               <a:rPr lang="en-US" smtClean="0"/>
-              <a:t>2/5/2019</a:t>
+              <a:t>2/17/2019</a:t>
             </a:fld>
             <a:endParaRPr lang="en-US"/>
           </a:p>
@@ -5247,7 +5248,7 @@
           <a:p>
             <a:fld id="{76586147-1295-4C85-B48B-BFD57414E2B2}" type="datetimeFigureOut">
               <a:rPr lang="en-US" smtClean="0"/>
-              <a:t>2/5/2019</a:t>
+              <a:t>2/17/2019</a:t>
             </a:fld>
             <a:endParaRPr lang="en-US"/>
           </a:p>
@@ -7128,6 +7129,363 @@
 </file>
 
 <file path=ppt/slides/slide12.xml><?xml version="1.0" encoding="utf-8"?>
+<p:sld xmlns:a="http://schemas.openxmlformats.org/drawingml/2006/main" xmlns:r="http://schemas.openxmlformats.org/officeDocument/2006/relationships" xmlns:p="http://schemas.openxmlformats.org/presentationml/2006/main">
+  <p:cSld>
+    <p:spTree>
+      <p:nvGrpSpPr>
+        <p:cNvPr id="1" name=""/>
+        <p:cNvGrpSpPr/>
+        <p:nvPr/>
+      </p:nvGrpSpPr>
+      <p:grpSpPr>
+        <a:xfrm>
+          <a:off x="0" y="0"/>
+          <a:ext cx="0" cy="0"/>
+          <a:chOff x="0" y="0"/>
+          <a:chExt cx="0" cy="0"/>
+        </a:xfrm>
+      </p:grpSpPr>
+      <p:sp>
+        <p:nvSpPr>
+          <p:cNvPr id="2" name="Title 1">
+            <a:extLst>
+              <a:ext uri="{FF2B5EF4-FFF2-40B4-BE49-F238E27FC236}">
+                <a16:creationId xmlns:a16="http://schemas.microsoft.com/office/drawing/2014/main" id="{8F3C2353-D7C4-4040-916A-0527F43EAEE9}"/>
+              </a:ext>
+            </a:extLst>
+          </p:cNvPr>
+          <p:cNvSpPr>
+            <a:spLocks noGrp="1"/>
+          </p:cNvSpPr>
+          <p:nvPr>
+            <p:ph type="title"/>
+          </p:nvPr>
+        </p:nvSpPr>
+        <p:spPr/>
+        <p:txBody>
+          <a:bodyPr/>
+          <a:lstStyle/>
+          <a:p>
+            <a:r>
+              <a:rPr lang="en-US" dirty="0"/>
+              <a:t>Operators Caveat</a:t>
+            </a:r>
+          </a:p>
+        </p:txBody>
+      </p:sp>
+      <p:sp>
+        <p:nvSpPr>
+          <p:cNvPr id="6" name="Content Placeholder 9">
+            <a:extLst>
+              <a:ext uri="{FF2B5EF4-FFF2-40B4-BE49-F238E27FC236}">
+                <a16:creationId xmlns:a16="http://schemas.microsoft.com/office/drawing/2014/main" id="{7ABD39D8-6433-481F-8F80-64573779C70E}"/>
+              </a:ext>
+            </a:extLst>
+          </p:cNvPr>
+          <p:cNvSpPr>
+            <a:spLocks noGrp="1"/>
+          </p:cNvSpPr>
+          <p:nvPr>
+            <p:ph idx="1"/>
+          </p:nvPr>
+        </p:nvSpPr>
+        <p:spPr>
+          <a:xfrm>
+            <a:off x="838200" y="1825625"/>
+            <a:ext cx="10515600" cy="369332"/>
+          </a:xfrm>
+          <a:prstGeom prst="rect">
+            <a:avLst/>
+          </a:prstGeom>
+          <a:solidFill>
+            <a:schemeClr val="bg2">
+              <a:lumMod val="25000"/>
+            </a:schemeClr>
+          </a:solidFill>
+        </p:spPr>
+        <p:txBody>
+          <a:bodyPr wrap="square">
+            <a:spAutoFit/>
+          </a:bodyPr>
+          <a:lstStyle/>
+          <a:p>
+            <a:pPr marL="0" indent="0">
+              <a:buNone/>
+            </a:pPr>
+            <a:r>
+              <a:rPr lang="en-US" sz="2000" dirty="0">
+                <a:solidFill>
+                  <a:srgbClr val="DCDCAA"/>
+                </a:solidFill>
+                <a:latin typeface="Consolas" panose="020B0609020204030204" pitchFamily="49" charset="0"/>
+              </a:rPr>
+              <a:t>print</a:t>
+            </a:r>
+            <a:r>
+              <a:rPr lang="en-US" sz="2000" dirty="0">
+                <a:solidFill>
+                  <a:srgbClr val="D4D4D4"/>
+                </a:solidFill>
+                <a:latin typeface="Consolas" panose="020B0609020204030204" pitchFamily="49" charset="0"/>
+              </a:rPr>
+              <a:t>(</a:t>
+            </a:r>
+            <a:r>
+              <a:rPr lang="en-US" sz="2000" dirty="0">
+                <a:solidFill>
+                  <a:srgbClr val="CE9178"/>
+                </a:solidFill>
+                <a:latin typeface="Consolas" panose="020B0609020204030204" pitchFamily="49" charset="0"/>
+              </a:rPr>
+              <a:t>"Hi"</a:t>
+            </a:r>
+            <a:r>
+              <a:rPr lang="en-US" sz="2000" dirty="0">
+                <a:solidFill>
+                  <a:srgbClr val="D4D4D4"/>
+                </a:solidFill>
+                <a:latin typeface="Consolas" panose="020B0609020204030204" pitchFamily="49" charset="0"/>
+              </a:rPr>
+              <a:t>*</a:t>
+            </a:r>
+            <a:r>
+              <a:rPr lang="en-US" sz="2000" dirty="0">
+                <a:solidFill>
+                  <a:srgbClr val="B5CEA8"/>
+                </a:solidFill>
+                <a:latin typeface="Consolas" panose="020B0609020204030204" pitchFamily="49" charset="0"/>
+              </a:rPr>
+              <a:t>4</a:t>
+            </a:r>
+            <a:r>
+              <a:rPr lang="en-US" sz="2000" dirty="0">
+                <a:solidFill>
+                  <a:srgbClr val="D4D4D4"/>
+                </a:solidFill>
+                <a:latin typeface="Consolas" panose="020B0609020204030204" pitchFamily="49" charset="0"/>
+              </a:rPr>
+              <a:t>)</a:t>
+            </a:r>
+          </a:p>
+        </p:txBody>
+      </p:sp>
+      <p:sp>
+        <p:nvSpPr>
+          <p:cNvPr id="7" name="Content Placeholder 2">
+            <a:extLst>
+              <a:ext uri="{FF2B5EF4-FFF2-40B4-BE49-F238E27FC236}">
+                <a16:creationId xmlns:a16="http://schemas.microsoft.com/office/drawing/2014/main" id="{7F9EB105-0B0A-4075-8B30-247F55EAFEF1}"/>
+              </a:ext>
+            </a:extLst>
+          </p:cNvPr>
+          <p:cNvSpPr txBox="1">
+            <a:spLocks/>
+          </p:cNvSpPr>
+          <p:nvPr/>
+        </p:nvSpPr>
+        <p:spPr>
+          <a:xfrm>
+            <a:off x="838200" y="2874686"/>
+            <a:ext cx="10515600" cy="1788358"/>
+          </a:xfrm>
+          <a:prstGeom prst="rect">
+            <a:avLst/>
+          </a:prstGeom>
+        </p:spPr>
+        <p:txBody>
+          <a:bodyPr vert="horz" lIns="91440" tIns="45720" rIns="91440" bIns="45720" rtlCol="0">
+            <a:normAutofit/>
+          </a:bodyPr>
+          <a:lstStyle>
+            <a:lvl1pPr marL="228600" indent="-228600" algn="l" defTabSz="914400" rtl="0" eaLnBrk="1" latinLnBrk="0" hangingPunct="1">
+              <a:lnSpc>
+                <a:spcPct val="90000"/>
+              </a:lnSpc>
+              <a:spcBef>
+                <a:spcPts val="1000"/>
+              </a:spcBef>
+              <a:buFont typeface="Arial" panose="020B0604020202020204" pitchFamily="34" charset="0"/>
+              <a:buChar char="•"/>
+              <a:defRPr sz="2800" kern="1200">
+                <a:solidFill>
+                  <a:schemeClr val="tx1"/>
+                </a:solidFill>
+                <a:latin typeface="+mn-lt"/>
+                <a:ea typeface="+mn-ea"/>
+                <a:cs typeface="+mn-cs"/>
+              </a:defRPr>
+            </a:lvl1pPr>
+            <a:lvl2pPr marL="685800" indent="-228600" algn="l" defTabSz="914400" rtl="0" eaLnBrk="1" latinLnBrk="0" hangingPunct="1">
+              <a:lnSpc>
+                <a:spcPct val="90000"/>
+              </a:lnSpc>
+              <a:spcBef>
+                <a:spcPts val="500"/>
+              </a:spcBef>
+              <a:buFont typeface="Arial" panose="020B0604020202020204" pitchFamily="34" charset="0"/>
+              <a:buChar char="•"/>
+              <a:defRPr sz="2400" kern="1200">
+                <a:solidFill>
+                  <a:schemeClr val="tx1"/>
+                </a:solidFill>
+                <a:latin typeface="+mn-lt"/>
+                <a:ea typeface="+mn-ea"/>
+                <a:cs typeface="+mn-cs"/>
+              </a:defRPr>
+            </a:lvl2pPr>
+            <a:lvl3pPr marL="1143000" indent="-228600" algn="l" defTabSz="914400" rtl="0" eaLnBrk="1" latinLnBrk="0" hangingPunct="1">
+              <a:lnSpc>
+                <a:spcPct val="90000"/>
+              </a:lnSpc>
+              <a:spcBef>
+                <a:spcPts val="500"/>
+              </a:spcBef>
+              <a:buFont typeface="Arial" panose="020B0604020202020204" pitchFamily="34" charset="0"/>
+              <a:buChar char="•"/>
+              <a:defRPr sz="2000" kern="1200">
+                <a:solidFill>
+                  <a:schemeClr val="tx1"/>
+                </a:solidFill>
+                <a:latin typeface="+mn-lt"/>
+                <a:ea typeface="+mn-ea"/>
+                <a:cs typeface="+mn-cs"/>
+              </a:defRPr>
+            </a:lvl3pPr>
+            <a:lvl4pPr marL="1600200" indent="-228600" algn="l" defTabSz="914400" rtl="0" eaLnBrk="1" latinLnBrk="0" hangingPunct="1">
+              <a:lnSpc>
+                <a:spcPct val="90000"/>
+              </a:lnSpc>
+              <a:spcBef>
+                <a:spcPts val="500"/>
+              </a:spcBef>
+              <a:buFont typeface="Arial" panose="020B0604020202020204" pitchFamily="34" charset="0"/>
+              <a:buChar char="•"/>
+              <a:defRPr sz="1800" kern="1200">
+                <a:solidFill>
+                  <a:schemeClr val="tx1"/>
+                </a:solidFill>
+                <a:latin typeface="+mn-lt"/>
+                <a:ea typeface="+mn-ea"/>
+                <a:cs typeface="+mn-cs"/>
+              </a:defRPr>
+            </a:lvl4pPr>
+            <a:lvl5pPr marL="2057400" indent="-228600" algn="l" defTabSz="914400" rtl="0" eaLnBrk="1" latinLnBrk="0" hangingPunct="1">
+              <a:lnSpc>
+                <a:spcPct val="90000"/>
+              </a:lnSpc>
+              <a:spcBef>
+                <a:spcPts val="500"/>
+              </a:spcBef>
+              <a:buFont typeface="Arial" panose="020B0604020202020204" pitchFamily="34" charset="0"/>
+              <a:buChar char="•"/>
+              <a:defRPr sz="1800" kern="1200">
+                <a:solidFill>
+                  <a:schemeClr val="tx1"/>
+                </a:solidFill>
+                <a:latin typeface="+mn-lt"/>
+                <a:ea typeface="+mn-ea"/>
+                <a:cs typeface="+mn-cs"/>
+              </a:defRPr>
+            </a:lvl5pPr>
+            <a:lvl6pPr marL="2514600" indent="-228600" algn="l" defTabSz="914400" rtl="0" eaLnBrk="1" latinLnBrk="0" hangingPunct="1">
+              <a:lnSpc>
+                <a:spcPct val="90000"/>
+              </a:lnSpc>
+              <a:spcBef>
+                <a:spcPts val="500"/>
+              </a:spcBef>
+              <a:buFont typeface="Arial" panose="020B0604020202020204" pitchFamily="34" charset="0"/>
+              <a:buChar char="•"/>
+              <a:defRPr sz="1800" kern="1200">
+                <a:solidFill>
+                  <a:schemeClr val="tx1"/>
+                </a:solidFill>
+                <a:latin typeface="+mn-lt"/>
+                <a:ea typeface="+mn-ea"/>
+                <a:cs typeface="+mn-cs"/>
+              </a:defRPr>
+            </a:lvl6pPr>
+            <a:lvl7pPr marL="2971800" indent="-228600" algn="l" defTabSz="914400" rtl="0" eaLnBrk="1" latinLnBrk="0" hangingPunct="1">
+              <a:lnSpc>
+                <a:spcPct val="90000"/>
+              </a:lnSpc>
+              <a:spcBef>
+                <a:spcPts val="500"/>
+              </a:spcBef>
+              <a:buFont typeface="Arial" panose="020B0604020202020204" pitchFamily="34" charset="0"/>
+              <a:buChar char="•"/>
+              <a:defRPr sz="1800" kern="1200">
+                <a:solidFill>
+                  <a:schemeClr val="tx1"/>
+                </a:solidFill>
+                <a:latin typeface="+mn-lt"/>
+                <a:ea typeface="+mn-ea"/>
+                <a:cs typeface="+mn-cs"/>
+              </a:defRPr>
+            </a:lvl7pPr>
+            <a:lvl8pPr marL="3429000" indent="-228600" algn="l" defTabSz="914400" rtl="0" eaLnBrk="1" latinLnBrk="0" hangingPunct="1">
+              <a:lnSpc>
+                <a:spcPct val="90000"/>
+              </a:lnSpc>
+              <a:spcBef>
+                <a:spcPts val="500"/>
+              </a:spcBef>
+              <a:buFont typeface="Arial" panose="020B0604020202020204" pitchFamily="34" charset="0"/>
+              <a:buChar char="•"/>
+              <a:defRPr sz="1800" kern="1200">
+                <a:solidFill>
+                  <a:schemeClr val="tx1"/>
+                </a:solidFill>
+                <a:latin typeface="+mn-lt"/>
+                <a:ea typeface="+mn-ea"/>
+                <a:cs typeface="+mn-cs"/>
+              </a:defRPr>
+            </a:lvl8pPr>
+            <a:lvl9pPr marL="3886200" indent="-228600" algn="l" defTabSz="914400" rtl="0" eaLnBrk="1" latinLnBrk="0" hangingPunct="1">
+              <a:lnSpc>
+                <a:spcPct val="90000"/>
+              </a:lnSpc>
+              <a:spcBef>
+                <a:spcPts val="500"/>
+              </a:spcBef>
+              <a:buFont typeface="Arial" panose="020B0604020202020204" pitchFamily="34" charset="0"/>
+              <a:buChar char="•"/>
+              <a:defRPr sz="1800" kern="1200">
+                <a:solidFill>
+                  <a:schemeClr val="tx1"/>
+                </a:solidFill>
+                <a:latin typeface="+mn-lt"/>
+                <a:ea typeface="+mn-ea"/>
+                <a:cs typeface="+mn-cs"/>
+              </a:defRPr>
+            </a:lvl9pPr>
+          </a:lstStyle>
+          <a:p>
+            <a:pPr marL="0" indent="0">
+              <a:buFont typeface="Arial" panose="020B0604020202020204" pitchFamily="34" charset="0"/>
+              <a:buNone/>
+            </a:pPr>
+            <a:r>
+              <a:rPr lang="en-US" sz="3200" dirty="0"/>
+              <a:t>Works. Why?</a:t>
+            </a:r>
+          </a:p>
+        </p:txBody>
+      </p:sp>
+    </p:spTree>
+    <p:extLst>
+      <p:ext uri="{BB962C8B-B14F-4D97-AF65-F5344CB8AC3E}">
+        <p14:creationId xmlns:p14="http://schemas.microsoft.com/office/powerpoint/2010/main" val="1882948820"/>
+      </p:ext>
+    </p:extLst>
+  </p:cSld>
+  <p:clrMapOvr>
+    <a:masterClrMapping/>
+  </p:clrMapOvr>
+</p:sld>
+</file>
+
+<file path=ppt/slides/slide13.xml><?xml version="1.0" encoding="utf-8"?>
 <p:sld xmlns:a="http://schemas.openxmlformats.org/drawingml/2006/main" xmlns:r="http://schemas.openxmlformats.org/officeDocument/2006/relationships" xmlns:p="http://schemas.openxmlformats.org/presentationml/2006/main">
   <p:cSld>
     <p:spTree>
